--- a/ConceptImage.pptx
+++ b/ConceptImage.pptx
@@ -3537,7 +3537,7 @@
         <p:spPr>
           <a:xfrm>
             <a:off x="6096000" y="3733800"/>
-            <a:ext cx="2667000" cy="2585323"/>
+            <a:ext cx="2667000" cy="3139321"/>
           </a:xfrm>
           <a:prstGeom prst="rect">
             <a:avLst/>
@@ -3552,7 +3552,11 @@
           <a:p>
             <a:r>
               <a:rPr lang="en-US" dirty="0" smtClean="0"/>
-              <a:t>Royalty free, from:</a:t>
+              <a:t>Will need to pay $12 for license, </a:t>
+            </a:r>
+            <a:r>
+              <a:rPr lang="en-US" dirty="0" smtClean="0"/>
+              <a:t>from:</a:t>
             </a:r>
           </a:p>
           <a:p>
@@ -3560,11 +3564,17 @@
               <a:rPr lang="en-US" dirty="0" smtClean="0">
                 <a:hlinkClick r:id="rId2"/>
               </a:rPr>
-              <a:t>https://media.istockphoto.com/illustrations/eye-illustration-id1153181078?k=6&amp;m=1153181078&amp;s=612x612&amp;w=0&amp;h=N2-EjNP_URGSRPm9L1yedvGNms0PYfQsqjcHDi391uQ</a:t>
+              <a:t>https://</a:t>
+            </a:r>
+            <a:r>
+              <a:rPr lang="en-US" dirty="0" smtClean="0">
+                <a:hlinkClick r:id="rId2"/>
+              </a:rPr>
+              <a:t>media.istockphoto.com/illustrations/eye-illustration-id1153181078?k=6&amp;m=1153181078&amp;s=612x612&amp;w=0&amp;h=N2-EjNP_URGSRPm9L1yedvGNms0PYfQsqjcHDi391uQ=</a:t>
             </a:r>
             <a:r>
               <a:rPr lang="en-US" dirty="0" smtClean="0"/>
-              <a:t>= </a:t>
+              <a:t>=</a:t>
             </a:r>
             <a:endParaRPr lang="en-US" dirty="0"/>
           </a:p>
@@ -3607,8 +3617,8 @@
         </p:nvSpPr>
         <p:spPr>
           <a:xfrm>
-            <a:off x="3733800" y="5029200"/>
-            <a:ext cx="2286000" cy="1477328"/>
+            <a:off x="3581400" y="3200400"/>
+            <a:ext cx="2286000" cy="3693319"/>
           </a:xfrm>
           <a:prstGeom prst="rect">
             <a:avLst/>
@@ -3621,8 +3631,38 @@
           <a:lstStyle/>
           <a:p>
             <a:r>
+              <a:rPr lang="en-US" dirty="0" smtClean="0">
+                <a:hlinkClick r:id="rId3"/>
+              </a:rPr>
+              <a:t>https://</a:t>
+            </a:r>
+            <a:r>
+              <a:rPr lang="en-US" dirty="0" smtClean="0">
+                <a:hlinkClick r:id="rId3"/>
+              </a:rPr>
+              <a:t>www.gograph.com/clipart/responsive-design-for-web-computer-gg63318880.html</a:t>
+            </a:r>
+            <a:endParaRPr lang="en-US" dirty="0" smtClean="0"/>
+          </a:p>
+          <a:p>
+            <a:endParaRPr lang="en-US" dirty="0" smtClean="0"/>
+          </a:p>
+          <a:p>
+            <a:r>
               <a:rPr lang="en-US" dirty="0" smtClean="0"/>
-              <a:t>https://www.gograph.com/clipart/responsive-design-for-web-computer-gg63318880.html</a:t>
+              <a:t>Will need to pay few dollars for </a:t>
+            </a:r>
+            <a:r>
+              <a:rPr lang="en-US" dirty="0" smtClean="0"/>
+              <a:t>License may require only 72 dpi for the central image (should be fine since we are using it as a </a:t>
+            </a:r>
+            <a:r>
+              <a:rPr lang="en-US" dirty="0" err="1" smtClean="0"/>
+              <a:t>smalli</a:t>
+            </a:r>
+            <a:r>
+              <a:rPr lang="en-US" dirty="0" smtClean="0"/>
+              <a:t> mage)?</a:t>
             </a:r>
             <a:endParaRPr lang="en-US" dirty="0"/>
           </a:p>
@@ -3637,7 +3677,7 @@
         <p:spPr>
           <a:xfrm>
             <a:off x="1143000" y="5105400"/>
-            <a:ext cx="2286000" cy="369332"/>
+            <a:ext cx="2286000" cy="1200329"/>
           </a:xfrm>
           <a:prstGeom prst="rect">
             <a:avLst/>
@@ -3651,7 +3691,29 @@
           <a:p>
             <a:r>
               <a:rPr lang="en-US" dirty="0" smtClean="0"/>
-              <a:t>online</a:t>
+              <a:t>Online</a:t>
+            </a:r>
+          </a:p>
+          <a:p>
+            <a:r>
+              <a:rPr lang="en-US" dirty="0" smtClean="0"/>
+              <a:t>Need to </a:t>
+            </a:r>
+          </a:p>
+          <a:p>
+            <a:r>
+              <a:rPr lang="en-US" dirty="0" smtClean="0"/>
+              <a:t>Check licensing</a:t>
+            </a:r>
+          </a:p>
+          <a:p>
+            <a:r>
+              <a:rPr lang="en-US" dirty="0" smtClean="0"/>
+              <a:t>Or </a:t>
+            </a:r>
+            <a:r>
+              <a:rPr lang="en-US" smtClean="0"/>
+              <a:t>get replacement</a:t>
             </a:r>
             <a:endParaRPr lang="en-US" dirty="0"/>
           </a:p>

--- a/ConceptImage.pptx
+++ b/ConceptImage.pptx
@@ -3185,7 +3185,7 @@
         </p:nvPicPr>
         <p:blipFill>
           <a:blip r:embed="rId3" cstate="print"/>
-          <a:srcRect/>
+          <a:srcRect b="12308"/>
           <a:stretch>
             <a:fillRect/>
           </a:stretch>
@@ -3193,7 +3193,7 @@
         <p:spPr bwMode="auto">
           <a:xfrm>
             <a:off x="3747720" y="2190749"/>
-            <a:ext cx="1648559" cy="1238251"/>
+            <a:ext cx="1648559" cy="1085851"/>
           </a:xfrm>
           <a:prstGeom prst="rect">
             <a:avLst/>
@@ -3409,8 +3409,8 @@
         </p:nvCxnSpPr>
         <p:spPr>
           <a:xfrm>
-            <a:off x="5396279" y="2809875"/>
-            <a:ext cx="1461721" cy="9525"/>
+            <a:off x="5396279" y="2733675"/>
+            <a:ext cx="1461721" cy="85725"/>
           </a:xfrm>
           <a:prstGeom prst="line">
             <a:avLst/>
@@ -3536,8 +3536,8 @@
         </p:nvSpPr>
         <p:spPr>
           <a:xfrm>
-            <a:off x="6096000" y="3733800"/>
-            <a:ext cx="2667000" cy="3139321"/>
+            <a:off x="6172200" y="1219200"/>
+            <a:ext cx="2667000" cy="4247317"/>
           </a:xfrm>
           <a:prstGeom prst="rect">
             <a:avLst/>
@@ -3552,29 +3552,33 @@
           <a:p>
             <a:r>
               <a:rPr lang="en-US" dirty="0" smtClean="0"/>
-              <a:t>Will need to pay $12 for license, </a:t>
-            </a:r>
-            <a:r>
-              <a:rPr lang="en-US" dirty="0" smtClean="0"/>
-              <a:t>from:</a:t>
-            </a:r>
-          </a:p>
-          <a:p>
-            <a:r>
-              <a:rPr lang="en-US" dirty="0" smtClean="0">
+              <a:t>Paid for license, from:</a:t>
+            </a:r>
+          </a:p>
+          <a:p>
+            <a:r>
+              <a:rPr lang="en-US" smtClean="0">
                 <a:hlinkClick r:id="rId2"/>
               </a:rPr>
-              <a:t>https://</a:t>
-            </a:r>
+              <a:t>https://www.istockphoto.com/vector/eye-gm1153181078-313105864</a:t>
+            </a:r>
+            <a:r>
+              <a:rPr lang="en-US" smtClean="0"/>
+              <a:t> </a:t>
+            </a:r>
+          </a:p>
+          <a:p>
+            <a:endParaRPr lang="en-US" dirty="0" smtClean="0"/>
+          </a:p>
+          <a:p>
+            <a:endParaRPr lang="en-US" dirty="0" smtClean="0"/>
+          </a:p>
+          <a:p>
             <a:r>
               <a:rPr lang="en-US" dirty="0" smtClean="0">
-                <a:hlinkClick r:id="rId2"/>
+                <a:hlinkClick r:id="rId3"/>
               </a:rPr>
-              <a:t>media.istockphoto.com/illustrations/eye-illustration-id1153181078?k=6&amp;m=1153181078&amp;s=612x612&amp;w=0&amp;h=N2-EjNP_URGSRPm9L1yedvGNms0PYfQsqjcHDi391uQ=</a:t>
-            </a:r>
-            <a:r>
-              <a:rPr lang="en-US" dirty="0" smtClean="0"/>
-              <a:t>=</a:t>
+              <a:t>https://media.istockphoto.com/illustrations/eye-illustration-id1153181078?k=6&amp;m=1153181078&amp;s=612x612&amp;w=0&amp;h=N2-EjNP_URGSRPm9L1yedvGNms0PYfQsqjcHDi391uQ=</a:t>
             </a:r>
             <a:endParaRPr lang="en-US" dirty="0"/>
           </a:p>
@@ -3618,7 +3622,7 @@
         <p:spPr>
           <a:xfrm>
             <a:off x="3581400" y="3200400"/>
-            <a:ext cx="2286000" cy="3693319"/>
+            <a:ext cx="2286000" cy="2585323"/>
           </a:xfrm>
           <a:prstGeom prst="rect">
             <a:avLst/>
@@ -3631,40 +3635,33 @@
           <a:lstStyle/>
           <a:p>
             <a:r>
+              <a:rPr lang="en-US" dirty="0" smtClean="0"/>
+              <a:t>Paid for regular license.</a:t>
+            </a:r>
+            <a:endParaRPr lang="en-US" smtClean="0"/>
+          </a:p>
+          <a:p>
+            <a:endParaRPr lang="en-US" smtClean="0">
+              <a:hlinkClick r:id="rId4"/>
+            </a:endParaRPr>
+          </a:p>
+          <a:p>
+            <a:r>
               <a:rPr lang="en-US" dirty="0" smtClean="0">
-                <a:hlinkClick r:id="rId3"/>
+                <a:hlinkClick r:id="rId4"/>
               </a:rPr>
-              <a:t>https://</a:t>
+              <a:t>https</a:t>
             </a:r>
             <a:r>
               <a:rPr lang="en-US" dirty="0" smtClean="0">
-                <a:hlinkClick r:id="rId3"/>
+                <a:hlinkClick r:id="rId4"/>
               </a:rPr>
-              <a:t>www.gograph.com/clipart/responsive-design-for-web-computer-gg63318880.html</a:t>
+              <a:t>://www.gograph.com/clipart/responsive-design-for-web-computer-gg63318880.html</a:t>
             </a:r>
             <a:endParaRPr lang="en-US" dirty="0" smtClean="0"/>
           </a:p>
           <a:p>
             <a:endParaRPr lang="en-US" dirty="0" smtClean="0"/>
-          </a:p>
-          <a:p>
-            <a:r>
-              <a:rPr lang="en-US" dirty="0" smtClean="0"/>
-              <a:t>Will need to pay few dollars for </a:t>
-            </a:r>
-            <a:r>
-              <a:rPr lang="en-US" dirty="0" smtClean="0"/>
-              <a:t>License may require only 72 dpi for the central image (should be fine since we are using it as a </a:t>
-            </a:r>
-            <a:r>
-              <a:rPr lang="en-US" dirty="0" err="1" smtClean="0"/>
-              <a:t>smalli</a:t>
-            </a:r>
-            <a:r>
-              <a:rPr lang="en-US" dirty="0" smtClean="0"/>
-              <a:t> mage)?</a:t>
-            </a:r>
-            <a:endParaRPr lang="en-US" dirty="0"/>
           </a:p>
         </p:txBody>
       </p:sp>
@@ -3677,7 +3674,7 @@
         <p:spPr>
           <a:xfrm>
             <a:off x="1143000" y="5105400"/>
-            <a:ext cx="2286000" cy="1200329"/>
+            <a:ext cx="2286000" cy="369332"/>
           </a:xfrm>
           <a:prstGeom prst="rect">
             <a:avLst/>
@@ -3691,29 +3688,7 @@
           <a:p>
             <a:r>
               <a:rPr lang="en-US" dirty="0" smtClean="0"/>
-              <a:t>Online</a:t>
-            </a:r>
-          </a:p>
-          <a:p>
-            <a:r>
-              <a:rPr lang="en-US" dirty="0" smtClean="0"/>
-              <a:t>Need to </a:t>
-            </a:r>
-          </a:p>
-          <a:p>
-            <a:r>
-              <a:rPr lang="en-US" dirty="0" smtClean="0"/>
-              <a:t>Check licensing</a:t>
-            </a:r>
-          </a:p>
-          <a:p>
-            <a:r>
-              <a:rPr lang="en-US" dirty="0" smtClean="0"/>
-              <a:t>Or </a:t>
-            </a:r>
-            <a:r>
-              <a:rPr lang="en-US" smtClean="0"/>
-              <a:t>get replacement</a:t>
+              <a:t>Free clipart</a:t>
             </a:r>
             <a:endParaRPr lang="en-US" dirty="0"/>
           </a:p>

--- a/ConceptImage.pptx
+++ b/ConceptImage.pptx
@@ -6,7 +6,9 @@
   </p:sldMasterIdLst>
   <p:sldIdLst>
     <p:sldId id="256" r:id="rId2"/>
-    <p:sldId id="257" r:id="rId3"/>
+    <p:sldId id="259" r:id="rId3"/>
+    <p:sldId id="258" r:id="rId4"/>
+    <p:sldId id="257" r:id="rId5"/>
   </p:sldIdLst>
   <p:sldSz cx="9144000" cy="6858000" type="screen4x3"/>
   <p:notesSz cx="6858000" cy="9144000"/>
@@ -3488,6 +3490,870 @@
       </p:grpSpPr>
       <p:sp>
         <p:nvSpPr>
+          <p:cNvPr id="4" name="TextBox 3"/>
+          <p:cNvSpPr txBox="1"/>
+          <p:nvPr/>
+        </p:nvSpPr>
+        <p:spPr>
+          <a:xfrm>
+            <a:off x="76200" y="4754940"/>
+            <a:ext cx="3626912" cy="1569660"/>
+          </a:xfrm>
+          <a:prstGeom prst="rect">
+            <a:avLst/>
+          </a:prstGeom>
+          <a:noFill/>
+        </p:spPr>
+        <p:txBody>
+          <a:bodyPr wrap="square" rtlCol="0">
+            <a:spAutoFit/>
+          </a:bodyPr>
+          <a:lstStyle/>
+          <a:p>
+            <a:r>
+              <a:rPr lang="en-US" sz="3200" dirty="0" smtClean="0"/>
+              <a:t>Data </a:t>
+            </a:r>
+            <a:r>
+              <a:rPr lang="en-US" sz="3200" dirty="0" smtClean="0"/>
+              <a:t>from </a:t>
+            </a:r>
+            <a:r>
+              <a:rPr lang="en-US" sz="3200" dirty="0" smtClean="0"/>
+              <a:t>Different Studies, Even with Different Units</a:t>
+            </a:r>
+            <a:endParaRPr lang="en-US" sz="3200" dirty="0"/>
+          </a:p>
+        </p:txBody>
+      </p:sp>
+      <p:sp>
+        <p:nvSpPr>
+          <p:cNvPr id="6" name="TextBox 5"/>
+          <p:cNvSpPr txBox="1"/>
+          <p:nvPr/>
+        </p:nvSpPr>
+        <p:spPr>
+          <a:xfrm>
+            <a:off x="2133600" y="1219200"/>
+            <a:ext cx="3581400" cy="1077218"/>
+          </a:xfrm>
+          <a:prstGeom prst="rect">
+            <a:avLst/>
+          </a:prstGeom>
+          <a:noFill/>
+        </p:spPr>
+        <p:txBody>
+          <a:bodyPr wrap="square" rtlCol="0">
+            <a:spAutoFit/>
+          </a:bodyPr>
+          <a:lstStyle/>
+          <a:p>
+            <a:r>
+              <a:rPr lang="en-US" sz="3200" dirty="0" smtClean="0"/>
+              <a:t>Software Combines and Displays</a:t>
+            </a:r>
+          </a:p>
+        </p:txBody>
+      </p:sp>
+      <p:sp>
+        <p:nvSpPr>
+          <p:cNvPr id="8" name="TextBox 7"/>
+          <p:cNvSpPr txBox="1"/>
+          <p:nvPr/>
+        </p:nvSpPr>
+        <p:spPr>
+          <a:xfrm>
+            <a:off x="6324600" y="4373940"/>
+            <a:ext cx="2895600" cy="1077218"/>
+          </a:xfrm>
+          <a:prstGeom prst="rect">
+            <a:avLst/>
+          </a:prstGeom>
+          <a:noFill/>
+        </p:spPr>
+        <p:txBody>
+          <a:bodyPr wrap="square" rtlCol="0">
+            <a:spAutoFit/>
+          </a:bodyPr>
+          <a:lstStyle/>
+          <a:p>
+            <a:r>
+              <a:rPr lang="en-US" sz="3200" dirty="0" smtClean="0"/>
+              <a:t>Compared by Researcher</a:t>
+            </a:r>
+            <a:endParaRPr lang="en-US" sz="3200" dirty="0"/>
+          </a:p>
+        </p:txBody>
+      </p:sp>
+      <p:pic>
+        <p:nvPicPr>
+          <p:cNvPr id="1029" name="Picture 5" descr="Human Eye Side View Illustrations, Royalty-Free Vector Graphics &amp; Clip ..."/>
+          <p:cNvPicPr>
+            <a:picLocks noChangeAspect="1" noChangeArrowheads="1"/>
+          </p:cNvPicPr>
+          <p:nvPr/>
+        </p:nvPicPr>
+        <p:blipFill>
+          <a:blip r:embed="rId2" cstate="print"/>
+          <a:srcRect/>
+          <a:stretch>
+            <a:fillRect/>
+          </a:stretch>
+        </p:blipFill>
+        <p:spPr bwMode="auto">
+          <a:xfrm>
+            <a:off x="6202888" y="1554540"/>
+            <a:ext cx="2864912" cy="2743200"/>
+          </a:xfrm>
+          <a:prstGeom prst="rect">
+            <a:avLst/>
+          </a:prstGeom>
+          <a:noFill/>
+        </p:spPr>
+      </p:pic>
+      <p:pic>
+        <p:nvPicPr>
+          <p:cNvPr id="1031" name="Picture 7" descr="Responsive design for web- computer"/>
+          <p:cNvPicPr>
+            <a:picLocks noChangeAspect="1" noChangeArrowheads="1"/>
+          </p:cNvPicPr>
+          <p:nvPr/>
+        </p:nvPicPr>
+        <p:blipFill>
+          <a:blip r:embed="rId3" cstate="print"/>
+          <a:srcRect b="12308"/>
+          <a:stretch>
+            <a:fillRect/>
+          </a:stretch>
+        </p:blipFill>
+        <p:spPr bwMode="auto">
+          <a:xfrm>
+            <a:off x="2847241" y="2468940"/>
+            <a:ext cx="1648559" cy="1085851"/>
+          </a:xfrm>
+          <a:prstGeom prst="rect">
+            <a:avLst/>
+          </a:prstGeom>
+          <a:noFill/>
+        </p:spPr>
+      </p:pic>
+      <p:pic>
+        <p:nvPicPr>
+          <p:cNvPr id="1032" name="Picture 8" descr="C:\Program Files (x86)\Microsoft Office\MEDIA\CAGCAT10\j0196400.wmf"/>
+          <p:cNvPicPr>
+            <a:picLocks noChangeAspect="1" noChangeArrowheads="1"/>
+          </p:cNvPicPr>
+          <p:nvPr/>
+        </p:nvPicPr>
+        <p:blipFill>
+          <a:blip r:embed="rId4" cstate="print"/>
+          <a:srcRect/>
+          <a:stretch>
+            <a:fillRect/>
+          </a:stretch>
+        </p:blipFill>
+        <p:spPr bwMode="auto">
+          <a:xfrm>
+            <a:off x="228600" y="1173540"/>
+            <a:ext cx="958665" cy="1025089"/>
+          </a:xfrm>
+          <a:prstGeom prst="rect">
+            <a:avLst/>
+          </a:prstGeom>
+          <a:noFill/>
+        </p:spPr>
+      </p:pic>
+      <p:pic>
+        <p:nvPicPr>
+          <p:cNvPr id="1034" name="Picture 10" descr="C:\Users\Yurik\AppData\Local\Microsoft\Windows\INetCache\IE\423IUIFB\paper-40205_960_720[1].png"/>
+          <p:cNvPicPr>
+            <a:picLocks noChangeAspect="1" noChangeArrowheads="1"/>
+          </p:cNvPicPr>
+          <p:nvPr/>
+        </p:nvPicPr>
+        <p:blipFill>
+          <a:blip r:embed="rId5" cstate="print"/>
+          <a:srcRect/>
+          <a:stretch>
+            <a:fillRect/>
+          </a:stretch>
+        </p:blipFill>
+        <p:spPr bwMode="auto">
+          <a:xfrm>
+            <a:off x="228600" y="2316540"/>
+            <a:ext cx="762000" cy="983226"/>
+          </a:xfrm>
+          <a:prstGeom prst="rect">
+            <a:avLst/>
+          </a:prstGeom>
+          <a:noFill/>
+        </p:spPr>
+      </p:pic>
+      <p:pic>
+        <p:nvPicPr>
+          <p:cNvPr id="1035" name="Picture 11" descr="C:\Users\Yurik\AppData\Local\Microsoft\Windows\INetCache\IE\XXU3U87C\paper-23700_640[1].png"/>
+          <p:cNvPicPr>
+            <a:picLocks noChangeAspect="1" noChangeArrowheads="1"/>
+          </p:cNvPicPr>
+          <p:nvPr/>
+        </p:nvPicPr>
+        <p:blipFill>
+          <a:blip r:embed="rId6" cstate="print"/>
+          <a:srcRect/>
+          <a:stretch>
+            <a:fillRect/>
+          </a:stretch>
+        </p:blipFill>
+        <p:spPr bwMode="auto">
+          <a:xfrm>
+            <a:off x="228600" y="3383340"/>
+            <a:ext cx="942296" cy="1220788"/>
+          </a:xfrm>
+          <a:prstGeom prst="rect">
+            <a:avLst/>
+          </a:prstGeom>
+          <a:noFill/>
+        </p:spPr>
+      </p:pic>
+      <p:cxnSp>
+        <p:nvCxnSpPr>
+          <p:cNvPr id="22" name="Straight Connector 21"/>
+          <p:cNvCxnSpPr/>
+          <p:nvPr/>
+        </p:nvCxnSpPr>
+        <p:spPr>
+          <a:xfrm>
+            <a:off x="1447800" y="1935540"/>
+            <a:ext cx="1295400" cy="762000"/>
+          </a:xfrm>
+          <a:prstGeom prst="line">
+            <a:avLst/>
+          </a:prstGeom>
+        </p:spPr>
+        <p:style>
+          <a:lnRef idx="3">
+            <a:schemeClr val="accent1"/>
+          </a:lnRef>
+          <a:fillRef idx="0">
+            <a:schemeClr val="accent1"/>
+          </a:fillRef>
+          <a:effectRef idx="2">
+            <a:schemeClr val="accent1"/>
+          </a:effectRef>
+          <a:fontRef idx="minor">
+            <a:schemeClr val="tx1"/>
+          </a:fontRef>
+        </p:style>
+      </p:cxnSp>
+      <p:cxnSp>
+        <p:nvCxnSpPr>
+          <p:cNvPr id="24" name="Straight Connector 23"/>
+          <p:cNvCxnSpPr/>
+          <p:nvPr/>
+        </p:nvCxnSpPr>
+        <p:spPr>
+          <a:xfrm>
+            <a:off x="1295400" y="2926140"/>
+            <a:ext cx="1371600" cy="0"/>
+          </a:xfrm>
+          <a:prstGeom prst="line">
+            <a:avLst/>
+          </a:prstGeom>
+        </p:spPr>
+        <p:style>
+          <a:lnRef idx="3">
+            <a:schemeClr val="accent1"/>
+          </a:lnRef>
+          <a:fillRef idx="0">
+            <a:schemeClr val="accent1"/>
+          </a:fillRef>
+          <a:effectRef idx="2">
+            <a:schemeClr val="accent1"/>
+          </a:effectRef>
+          <a:fontRef idx="minor">
+            <a:schemeClr val="tx1"/>
+          </a:fontRef>
+        </p:style>
+      </p:cxnSp>
+      <p:cxnSp>
+        <p:nvCxnSpPr>
+          <p:cNvPr id="26" name="Straight Connector 25"/>
+          <p:cNvCxnSpPr/>
+          <p:nvPr/>
+        </p:nvCxnSpPr>
+        <p:spPr>
+          <a:xfrm flipV="1">
+            <a:off x="1371600" y="3230940"/>
+            <a:ext cx="1295400" cy="685800"/>
+          </a:xfrm>
+          <a:prstGeom prst="line">
+            <a:avLst/>
+          </a:prstGeom>
+        </p:spPr>
+        <p:style>
+          <a:lnRef idx="3">
+            <a:schemeClr val="accent1"/>
+          </a:lnRef>
+          <a:fillRef idx="0">
+            <a:schemeClr val="accent1"/>
+          </a:fillRef>
+          <a:effectRef idx="2">
+            <a:schemeClr val="accent1"/>
+          </a:effectRef>
+          <a:fontRef idx="minor">
+            <a:schemeClr val="tx1"/>
+          </a:fontRef>
+        </p:style>
+      </p:cxnSp>
+      <p:cxnSp>
+        <p:nvCxnSpPr>
+          <p:cNvPr id="28" name="Straight Connector 27"/>
+          <p:cNvCxnSpPr/>
+          <p:nvPr/>
+        </p:nvCxnSpPr>
+        <p:spPr>
+          <a:xfrm flipV="1">
+            <a:off x="4648200" y="2011740"/>
+            <a:ext cx="1447800" cy="685800"/>
+          </a:xfrm>
+          <a:prstGeom prst="line">
+            <a:avLst/>
+          </a:prstGeom>
+        </p:spPr>
+        <p:style>
+          <a:lnRef idx="3">
+            <a:schemeClr val="accent1"/>
+          </a:lnRef>
+          <a:fillRef idx="0">
+            <a:schemeClr val="accent1"/>
+          </a:fillRef>
+          <a:effectRef idx="2">
+            <a:schemeClr val="accent1"/>
+          </a:effectRef>
+          <a:fontRef idx="minor">
+            <a:schemeClr val="tx1"/>
+          </a:fontRef>
+        </p:style>
+      </p:cxnSp>
+      <p:cxnSp>
+        <p:nvCxnSpPr>
+          <p:cNvPr id="30" name="Straight Connector 29"/>
+          <p:cNvCxnSpPr/>
+          <p:nvPr/>
+        </p:nvCxnSpPr>
+        <p:spPr>
+          <a:xfrm>
+            <a:off x="4648200" y="3002340"/>
+            <a:ext cx="1447800" cy="0"/>
+          </a:xfrm>
+          <a:prstGeom prst="line">
+            <a:avLst/>
+          </a:prstGeom>
+        </p:spPr>
+        <p:style>
+          <a:lnRef idx="3">
+            <a:schemeClr val="accent1"/>
+          </a:lnRef>
+          <a:fillRef idx="0">
+            <a:schemeClr val="accent1"/>
+          </a:fillRef>
+          <a:effectRef idx="2">
+            <a:schemeClr val="accent1"/>
+          </a:effectRef>
+          <a:fontRef idx="minor">
+            <a:schemeClr val="tx1"/>
+          </a:fontRef>
+        </p:style>
+      </p:cxnSp>
+      <p:cxnSp>
+        <p:nvCxnSpPr>
+          <p:cNvPr id="32" name="Straight Connector 31"/>
+          <p:cNvCxnSpPr/>
+          <p:nvPr/>
+        </p:nvCxnSpPr>
+        <p:spPr>
+          <a:xfrm>
+            <a:off x="4648200" y="3230940"/>
+            <a:ext cx="1371600" cy="685800"/>
+          </a:xfrm>
+          <a:prstGeom prst="line">
+            <a:avLst/>
+          </a:prstGeom>
+        </p:spPr>
+        <p:style>
+          <a:lnRef idx="3">
+            <a:schemeClr val="accent1"/>
+          </a:lnRef>
+          <a:fillRef idx="0">
+            <a:schemeClr val="accent1"/>
+          </a:fillRef>
+          <a:effectRef idx="2">
+            <a:schemeClr val="accent1"/>
+          </a:effectRef>
+          <a:fontRef idx="minor">
+            <a:schemeClr val="tx1"/>
+          </a:fontRef>
+        </p:style>
+      </p:cxnSp>
+    </p:spTree>
+  </p:cSld>
+  <p:clrMapOvr>
+    <a:masterClrMapping/>
+  </p:clrMapOvr>
+</p:sld>
+</file>
+
+<file path=ppt/slides/slide3.xml><?xml version="1.0" encoding="utf-8"?>
+<p:sld xmlns:a="http://schemas.openxmlformats.org/drawingml/2006/main" xmlns:r="http://schemas.openxmlformats.org/officeDocument/2006/relationships" xmlns:p="http://schemas.openxmlformats.org/presentationml/2006/main">
+  <p:cSld>
+    <p:spTree>
+      <p:nvGrpSpPr>
+        <p:cNvPr id="1" name=""/>
+        <p:cNvGrpSpPr/>
+        <p:nvPr/>
+      </p:nvGrpSpPr>
+      <p:grpSpPr>
+        <a:xfrm>
+          <a:off x="0" y="0"/>
+          <a:ext cx="0" cy="0"/>
+          <a:chOff x="0" y="0"/>
+          <a:chExt cx="0" cy="0"/>
+        </a:xfrm>
+      </p:grpSpPr>
+      <p:sp>
+        <p:nvSpPr>
+          <p:cNvPr id="4" name="TextBox 3"/>
+          <p:cNvSpPr txBox="1"/>
+          <p:nvPr/>
+        </p:nvSpPr>
+        <p:spPr>
+          <a:xfrm>
+            <a:off x="76200" y="4754940"/>
+            <a:ext cx="3626912" cy="1569660"/>
+          </a:xfrm>
+          <a:prstGeom prst="rect">
+            <a:avLst/>
+          </a:prstGeom>
+          <a:noFill/>
+        </p:spPr>
+        <p:txBody>
+          <a:bodyPr wrap="square" rtlCol="0">
+            <a:spAutoFit/>
+          </a:bodyPr>
+          <a:lstStyle/>
+          <a:p>
+            <a:r>
+              <a:rPr lang="en-US" sz="3200" dirty="0" smtClean="0"/>
+              <a:t>Data </a:t>
+            </a:r>
+            <a:r>
+              <a:rPr lang="en-US" sz="3200" dirty="0" smtClean="0"/>
+              <a:t>from </a:t>
+            </a:r>
+            <a:r>
+              <a:rPr lang="en-US" sz="3200" dirty="0" smtClean="0"/>
+              <a:t>Different Studies, Even with Different Units</a:t>
+            </a:r>
+            <a:endParaRPr lang="en-US" sz="3200" dirty="0"/>
+          </a:p>
+        </p:txBody>
+      </p:sp>
+      <p:sp>
+        <p:nvSpPr>
+          <p:cNvPr id="6" name="TextBox 5"/>
+          <p:cNvSpPr txBox="1"/>
+          <p:nvPr/>
+        </p:nvSpPr>
+        <p:spPr>
+          <a:xfrm>
+            <a:off x="2667000" y="868740"/>
+            <a:ext cx="2293412" cy="1569660"/>
+          </a:xfrm>
+          <a:prstGeom prst="rect">
+            <a:avLst/>
+          </a:prstGeom>
+          <a:noFill/>
+        </p:spPr>
+        <p:txBody>
+          <a:bodyPr wrap="square" rtlCol="0">
+            <a:spAutoFit/>
+          </a:bodyPr>
+          <a:lstStyle/>
+          <a:p>
+            <a:r>
+              <a:rPr lang="en-US" sz="3200" dirty="0" smtClean="0"/>
+              <a:t>Software Combines and Displays</a:t>
+            </a:r>
+          </a:p>
+        </p:txBody>
+      </p:sp>
+      <p:sp>
+        <p:nvSpPr>
+          <p:cNvPr id="8" name="TextBox 7"/>
+          <p:cNvSpPr txBox="1"/>
+          <p:nvPr/>
+        </p:nvSpPr>
+        <p:spPr>
+          <a:xfrm>
+            <a:off x="6324600" y="4373940"/>
+            <a:ext cx="2895600" cy="1077218"/>
+          </a:xfrm>
+          <a:prstGeom prst="rect">
+            <a:avLst/>
+          </a:prstGeom>
+          <a:noFill/>
+        </p:spPr>
+        <p:txBody>
+          <a:bodyPr wrap="square" rtlCol="0">
+            <a:spAutoFit/>
+          </a:bodyPr>
+          <a:lstStyle/>
+          <a:p>
+            <a:r>
+              <a:rPr lang="en-US" sz="3200" dirty="0" smtClean="0"/>
+              <a:t>Compared by Researcher</a:t>
+            </a:r>
+            <a:endParaRPr lang="en-US" sz="3200" dirty="0"/>
+          </a:p>
+        </p:txBody>
+      </p:sp>
+      <p:pic>
+        <p:nvPicPr>
+          <p:cNvPr id="1029" name="Picture 5" descr="Human Eye Side View Illustrations, Royalty-Free Vector Graphics &amp; Clip ..."/>
+          <p:cNvPicPr>
+            <a:picLocks noChangeAspect="1" noChangeArrowheads="1"/>
+          </p:cNvPicPr>
+          <p:nvPr/>
+        </p:nvPicPr>
+        <p:blipFill>
+          <a:blip r:embed="rId2" cstate="print"/>
+          <a:srcRect/>
+          <a:stretch>
+            <a:fillRect/>
+          </a:stretch>
+        </p:blipFill>
+        <p:spPr bwMode="auto">
+          <a:xfrm>
+            <a:off x="6202888" y="1554540"/>
+            <a:ext cx="2864912" cy="2743200"/>
+          </a:xfrm>
+          <a:prstGeom prst="rect">
+            <a:avLst/>
+          </a:prstGeom>
+          <a:noFill/>
+        </p:spPr>
+      </p:pic>
+      <p:pic>
+        <p:nvPicPr>
+          <p:cNvPr id="1031" name="Picture 7" descr="Responsive design for web- computer"/>
+          <p:cNvPicPr>
+            <a:picLocks noChangeAspect="1" noChangeArrowheads="1"/>
+          </p:cNvPicPr>
+          <p:nvPr/>
+        </p:nvPicPr>
+        <p:blipFill>
+          <a:blip r:embed="rId3" cstate="print"/>
+          <a:srcRect b="12308"/>
+          <a:stretch>
+            <a:fillRect/>
+          </a:stretch>
+        </p:blipFill>
+        <p:spPr bwMode="auto">
+          <a:xfrm>
+            <a:off x="2847241" y="2468940"/>
+            <a:ext cx="1648559" cy="1085851"/>
+          </a:xfrm>
+          <a:prstGeom prst="rect">
+            <a:avLst/>
+          </a:prstGeom>
+          <a:noFill/>
+        </p:spPr>
+      </p:pic>
+      <p:pic>
+        <p:nvPicPr>
+          <p:cNvPr id="1032" name="Picture 8" descr="C:\Program Files (x86)\Microsoft Office\MEDIA\CAGCAT10\j0196400.wmf"/>
+          <p:cNvPicPr>
+            <a:picLocks noChangeAspect="1" noChangeArrowheads="1"/>
+          </p:cNvPicPr>
+          <p:nvPr/>
+        </p:nvPicPr>
+        <p:blipFill>
+          <a:blip r:embed="rId4" cstate="print"/>
+          <a:srcRect/>
+          <a:stretch>
+            <a:fillRect/>
+          </a:stretch>
+        </p:blipFill>
+        <p:spPr bwMode="auto">
+          <a:xfrm>
+            <a:off x="228600" y="1173540"/>
+            <a:ext cx="958665" cy="1025089"/>
+          </a:xfrm>
+          <a:prstGeom prst="rect">
+            <a:avLst/>
+          </a:prstGeom>
+          <a:noFill/>
+        </p:spPr>
+      </p:pic>
+      <p:pic>
+        <p:nvPicPr>
+          <p:cNvPr id="1034" name="Picture 10" descr="C:\Users\Yurik\AppData\Local\Microsoft\Windows\INetCache\IE\423IUIFB\paper-40205_960_720[1].png"/>
+          <p:cNvPicPr>
+            <a:picLocks noChangeAspect="1" noChangeArrowheads="1"/>
+          </p:cNvPicPr>
+          <p:nvPr/>
+        </p:nvPicPr>
+        <p:blipFill>
+          <a:blip r:embed="rId5" cstate="print"/>
+          <a:srcRect/>
+          <a:stretch>
+            <a:fillRect/>
+          </a:stretch>
+        </p:blipFill>
+        <p:spPr bwMode="auto">
+          <a:xfrm>
+            <a:off x="228600" y="2316540"/>
+            <a:ext cx="762000" cy="983226"/>
+          </a:xfrm>
+          <a:prstGeom prst="rect">
+            <a:avLst/>
+          </a:prstGeom>
+          <a:noFill/>
+        </p:spPr>
+      </p:pic>
+      <p:pic>
+        <p:nvPicPr>
+          <p:cNvPr id="1035" name="Picture 11" descr="C:\Users\Yurik\AppData\Local\Microsoft\Windows\INetCache\IE\XXU3U87C\paper-23700_640[1].png"/>
+          <p:cNvPicPr>
+            <a:picLocks noChangeAspect="1" noChangeArrowheads="1"/>
+          </p:cNvPicPr>
+          <p:nvPr/>
+        </p:nvPicPr>
+        <p:blipFill>
+          <a:blip r:embed="rId6" cstate="print"/>
+          <a:srcRect/>
+          <a:stretch>
+            <a:fillRect/>
+          </a:stretch>
+        </p:blipFill>
+        <p:spPr bwMode="auto">
+          <a:xfrm>
+            <a:off x="228600" y="3383340"/>
+            <a:ext cx="942296" cy="1220788"/>
+          </a:xfrm>
+          <a:prstGeom prst="rect">
+            <a:avLst/>
+          </a:prstGeom>
+          <a:noFill/>
+        </p:spPr>
+      </p:pic>
+      <p:cxnSp>
+        <p:nvCxnSpPr>
+          <p:cNvPr id="22" name="Straight Connector 21"/>
+          <p:cNvCxnSpPr/>
+          <p:nvPr/>
+        </p:nvCxnSpPr>
+        <p:spPr>
+          <a:xfrm>
+            <a:off x="1447800" y="1935540"/>
+            <a:ext cx="1295400" cy="762000"/>
+          </a:xfrm>
+          <a:prstGeom prst="line">
+            <a:avLst/>
+          </a:prstGeom>
+        </p:spPr>
+        <p:style>
+          <a:lnRef idx="3">
+            <a:schemeClr val="accent1"/>
+          </a:lnRef>
+          <a:fillRef idx="0">
+            <a:schemeClr val="accent1"/>
+          </a:fillRef>
+          <a:effectRef idx="2">
+            <a:schemeClr val="accent1"/>
+          </a:effectRef>
+          <a:fontRef idx="minor">
+            <a:schemeClr val="tx1"/>
+          </a:fontRef>
+        </p:style>
+      </p:cxnSp>
+      <p:cxnSp>
+        <p:nvCxnSpPr>
+          <p:cNvPr id="24" name="Straight Connector 23"/>
+          <p:cNvCxnSpPr/>
+          <p:nvPr/>
+        </p:nvCxnSpPr>
+        <p:spPr>
+          <a:xfrm>
+            <a:off x="1295400" y="2926140"/>
+            <a:ext cx="1371600" cy="0"/>
+          </a:xfrm>
+          <a:prstGeom prst="line">
+            <a:avLst/>
+          </a:prstGeom>
+        </p:spPr>
+        <p:style>
+          <a:lnRef idx="3">
+            <a:schemeClr val="accent1"/>
+          </a:lnRef>
+          <a:fillRef idx="0">
+            <a:schemeClr val="accent1"/>
+          </a:fillRef>
+          <a:effectRef idx="2">
+            <a:schemeClr val="accent1"/>
+          </a:effectRef>
+          <a:fontRef idx="minor">
+            <a:schemeClr val="tx1"/>
+          </a:fontRef>
+        </p:style>
+      </p:cxnSp>
+      <p:cxnSp>
+        <p:nvCxnSpPr>
+          <p:cNvPr id="26" name="Straight Connector 25"/>
+          <p:cNvCxnSpPr/>
+          <p:nvPr/>
+        </p:nvCxnSpPr>
+        <p:spPr>
+          <a:xfrm flipV="1">
+            <a:off x="1371600" y="3230940"/>
+            <a:ext cx="1295400" cy="685800"/>
+          </a:xfrm>
+          <a:prstGeom prst="line">
+            <a:avLst/>
+          </a:prstGeom>
+        </p:spPr>
+        <p:style>
+          <a:lnRef idx="3">
+            <a:schemeClr val="accent1"/>
+          </a:lnRef>
+          <a:fillRef idx="0">
+            <a:schemeClr val="accent1"/>
+          </a:fillRef>
+          <a:effectRef idx="2">
+            <a:schemeClr val="accent1"/>
+          </a:effectRef>
+          <a:fontRef idx="minor">
+            <a:schemeClr val="tx1"/>
+          </a:fontRef>
+        </p:style>
+      </p:cxnSp>
+      <p:cxnSp>
+        <p:nvCxnSpPr>
+          <p:cNvPr id="28" name="Straight Connector 27"/>
+          <p:cNvCxnSpPr/>
+          <p:nvPr/>
+        </p:nvCxnSpPr>
+        <p:spPr>
+          <a:xfrm flipV="1">
+            <a:off x="4648200" y="2011740"/>
+            <a:ext cx="1447800" cy="685800"/>
+          </a:xfrm>
+          <a:prstGeom prst="line">
+            <a:avLst/>
+          </a:prstGeom>
+        </p:spPr>
+        <p:style>
+          <a:lnRef idx="3">
+            <a:schemeClr val="accent1"/>
+          </a:lnRef>
+          <a:fillRef idx="0">
+            <a:schemeClr val="accent1"/>
+          </a:fillRef>
+          <a:effectRef idx="2">
+            <a:schemeClr val="accent1"/>
+          </a:effectRef>
+          <a:fontRef idx="minor">
+            <a:schemeClr val="tx1"/>
+          </a:fontRef>
+        </p:style>
+      </p:cxnSp>
+      <p:cxnSp>
+        <p:nvCxnSpPr>
+          <p:cNvPr id="30" name="Straight Connector 29"/>
+          <p:cNvCxnSpPr/>
+          <p:nvPr/>
+        </p:nvCxnSpPr>
+        <p:spPr>
+          <a:xfrm>
+            <a:off x="4648200" y="3002340"/>
+            <a:ext cx="1447800" cy="0"/>
+          </a:xfrm>
+          <a:prstGeom prst="line">
+            <a:avLst/>
+          </a:prstGeom>
+        </p:spPr>
+        <p:style>
+          <a:lnRef idx="3">
+            <a:schemeClr val="accent1"/>
+          </a:lnRef>
+          <a:fillRef idx="0">
+            <a:schemeClr val="accent1"/>
+          </a:fillRef>
+          <a:effectRef idx="2">
+            <a:schemeClr val="accent1"/>
+          </a:effectRef>
+          <a:fontRef idx="minor">
+            <a:schemeClr val="tx1"/>
+          </a:fontRef>
+        </p:style>
+      </p:cxnSp>
+      <p:cxnSp>
+        <p:nvCxnSpPr>
+          <p:cNvPr id="32" name="Straight Connector 31"/>
+          <p:cNvCxnSpPr/>
+          <p:nvPr/>
+        </p:nvCxnSpPr>
+        <p:spPr>
+          <a:xfrm>
+            <a:off x="4648200" y="3230940"/>
+            <a:ext cx="1371600" cy="685800"/>
+          </a:xfrm>
+          <a:prstGeom prst="line">
+            <a:avLst/>
+          </a:prstGeom>
+        </p:spPr>
+        <p:style>
+          <a:lnRef idx="3">
+            <a:schemeClr val="accent1"/>
+          </a:lnRef>
+          <a:fillRef idx="0">
+            <a:schemeClr val="accent1"/>
+          </a:fillRef>
+          <a:effectRef idx="2">
+            <a:schemeClr val="accent1"/>
+          </a:effectRef>
+          <a:fontRef idx="minor">
+            <a:schemeClr val="tx1"/>
+          </a:fontRef>
+        </p:style>
+      </p:cxnSp>
+    </p:spTree>
+  </p:cSld>
+  <p:clrMapOvr>
+    <a:masterClrMapping/>
+  </p:clrMapOvr>
+</p:sld>
+</file>
+
+<file path=ppt/slides/slide4.xml><?xml version="1.0" encoding="utf-8"?>
+<p:sld xmlns:a="http://schemas.openxmlformats.org/drawingml/2006/main" xmlns:r="http://schemas.openxmlformats.org/officeDocument/2006/relationships" xmlns:p="http://schemas.openxmlformats.org/presentationml/2006/main">
+  <p:cSld>
+    <p:spTree>
+      <p:nvGrpSpPr>
+        <p:cNvPr id="1" name=""/>
+        <p:cNvGrpSpPr/>
+        <p:nvPr/>
+      </p:nvGrpSpPr>
+      <p:grpSpPr>
+        <a:xfrm>
+          <a:off x="0" y="0"/>
+          <a:ext cx="0" cy="0"/>
+          <a:chOff x="0" y="0"/>
+          <a:chExt cx="0" cy="0"/>
+        </a:xfrm>
+      </p:grpSpPr>
+      <p:sp>
+        <p:nvSpPr>
           <p:cNvPr id="2" name="Title 1"/>
           <p:cNvSpPr>
             <a:spLocks noGrp="1"/>
@@ -3650,13 +4516,7 @@
               <a:rPr lang="en-US" dirty="0" smtClean="0">
                 <a:hlinkClick r:id="rId4"/>
               </a:rPr>
-              <a:t>https</a:t>
-            </a:r>
-            <a:r>
-              <a:rPr lang="en-US" dirty="0" smtClean="0">
-                <a:hlinkClick r:id="rId4"/>
-              </a:rPr>
-              <a:t>://www.gograph.com/clipart/responsive-design-for-web-computer-gg63318880.html</a:t>
+              <a:t>https://www.gograph.com/clipart/responsive-design-for-web-computer-gg63318880.html</a:t>
             </a:r>
             <a:endParaRPr lang="en-US" dirty="0" smtClean="0"/>
           </a:p>

--- a/ConceptImage.pptx
+++ b/ConceptImage.pptx
@@ -6,9 +6,11 @@
   </p:sldMasterIdLst>
   <p:sldIdLst>
     <p:sldId id="256" r:id="rId2"/>
-    <p:sldId id="259" r:id="rId3"/>
-    <p:sldId id="258" r:id="rId4"/>
-    <p:sldId id="257" r:id="rId5"/>
+    <p:sldId id="260" r:id="rId3"/>
+    <p:sldId id="261" r:id="rId4"/>
+    <p:sldId id="259" r:id="rId5"/>
+    <p:sldId id="258" r:id="rId6"/>
+    <p:sldId id="257" r:id="rId7"/>
   </p:sldIdLst>
   <p:sldSz cx="9144000" cy="6858000" type="screen4x3"/>
   <p:notesSz cx="6858000" cy="9144000"/>
@@ -107,7 +109,243 @@
       </a:defRPr>
     </a:lvl9pPr>
   </p:defaultTextStyle>
+  <p:extLst>
+    <p:ext uri="{EFAFB233-063F-42B5-8137-9DF3F51BA10A}">
+      <p15:sldGuideLst xmlns:p15="http://schemas.microsoft.com/office/powerpoint/2012/main">
+        <p15:guide id="1" orient="horz" pos="2160">
+          <p15:clr>
+            <a:srgbClr val="A4A3A4"/>
+          </p15:clr>
+        </p15:guide>
+        <p15:guide id="2" pos="2880">
+          <p15:clr>
+            <a:srgbClr val="A4A3A4"/>
+          </p15:clr>
+        </p15:guide>
+      </p15:sldGuideLst>
+    </p:ext>
+  </p:extLst>
 </p:presentation>
+</file>
+
+<file path=ppt/changesInfos/changesInfo1.xml><?xml version="1.0" encoding="utf-8"?>
+<pc:chgInfo xmlns:a="http://schemas.openxmlformats.org/drawingml/2006/main" xmlns:r="http://schemas.openxmlformats.org/officeDocument/2006/relationships" xmlns:ac="http://schemas.microsoft.com/office/drawing/2013/main/command" xmlns:pc="http://schemas.microsoft.com/office/powerpoint/2013/main/command">
+  <pc:docChgLst>
+    <pc:chgData name="Savara, Aditya Ashi" userId="bc9c198b-2e23-46a8-8b47-c28ea74074f7" providerId="ADAL" clId="{234BAFD2-18FF-4810-ADA3-11D28C9DBD9F}"/>
+    <pc:docChg chg="undo custSel addSld modSld">
+      <pc:chgData name="Savara, Aditya Ashi" userId="bc9c198b-2e23-46a8-8b47-c28ea74074f7" providerId="ADAL" clId="{234BAFD2-18FF-4810-ADA3-11D28C9DBD9F}" dt="2023-01-27T19:05:23.764" v="146" actId="1076"/>
+      <pc:docMkLst>
+        <pc:docMk/>
+      </pc:docMkLst>
+      <pc:sldChg chg="addSp delSp modSp mod">
+        <pc:chgData name="Savara, Aditya Ashi" userId="bc9c198b-2e23-46a8-8b47-c28ea74074f7" providerId="ADAL" clId="{234BAFD2-18FF-4810-ADA3-11D28C9DBD9F}" dt="2023-01-27T19:05:23.764" v="146" actId="1076"/>
+        <pc:sldMkLst>
+          <pc:docMk/>
+          <pc:sldMk cId="3776604935" sldId="260"/>
+        </pc:sldMkLst>
+        <pc:grpChg chg="add del mod">
+          <ac:chgData name="Savara, Aditya Ashi" userId="bc9c198b-2e23-46a8-8b47-c28ea74074f7" providerId="ADAL" clId="{234BAFD2-18FF-4810-ADA3-11D28C9DBD9F}" dt="2023-01-27T19:05:05.944" v="142" actId="21"/>
+          <ac:grpSpMkLst>
+            <pc:docMk/>
+            <pc:sldMk cId="3776604935" sldId="260"/>
+            <ac:grpSpMk id="9" creationId="{C2E707BC-9BC0-DD0E-C929-492AF72B95CD}"/>
+          </ac:grpSpMkLst>
+        </pc:grpChg>
+        <pc:grpChg chg="add del mod">
+          <ac:chgData name="Savara, Aditya Ashi" userId="bc9c198b-2e23-46a8-8b47-c28ea74074f7" providerId="ADAL" clId="{234BAFD2-18FF-4810-ADA3-11D28C9DBD9F}" dt="2023-01-27T19:01:28.294" v="114"/>
+          <ac:grpSpMkLst>
+            <pc:docMk/>
+            <pc:sldMk cId="3776604935" sldId="260"/>
+            <ac:grpSpMk id="10" creationId="{F9C674E9-E8AE-B325-86EE-0E41A4503ED5}"/>
+          </ac:grpSpMkLst>
+        </pc:grpChg>
+        <pc:grpChg chg="add del mod">
+          <ac:chgData name="Savara, Aditya Ashi" userId="bc9c198b-2e23-46a8-8b47-c28ea74074f7" providerId="ADAL" clId="{234BAFD2-18FF-4810-ADA3-11D28C9DBD9F}" dt="2023-01-27T19:02:59.886" v="125"/>
+          <ac:grpSpMkLst>
+            <pc:docMk/>
+            <pc:sldMk cId="3776604935" sldId="260"/>
+            <ac:grpSpMk id="16" creationId="{104B6D3A-986C-4B39-2FA0-2A50FD4EFB95}"/>
+          </ac:grpSpMkLst>
+        </pc:grpChg>
+        <pc:grpChg chg="add del mod">
+          <ac:chgData name="Savara, Aditya Ashi" userId="bc9c198b-2e23-46a8-8b47-c28ea74074f7" providerId="ADAL" clId="{234BAFD2-18FF-4810-ADA3-11D28C9DBD9F}" dt="2023-01-27T19:04:53.914" v="138"/>
+          <ac:grpSpMkLst>
+            <pc:docMk/>
+            <pc:sldMk cId="3776604935" sldId="260"/>
+            <ac:grpSpMk id="21" creationId="{422D138C-5EC4-3C3E-9A72-FD598BC63818}"/>
+          </ac:grpSpMkLst>
+        </pc:grpChg>
+        <pc:picChg chg="add del mod">
+          <ac:chgData name="Savara, Aditya Ashi" userId="bc9c198b-2e23-46a8-8b47-c28ea74074f7" providerId="ADAL" clId="{234BAFD2-18FF-4810-ADA3-11D28C9DBD9F}" dt="2023-01-27T18:57:46.872" v="3" actId="21"/>
+          <ac:picMkLst>
+            <pc:docMk/>
+            <pc:sldMk cId="3776604935" sldId="260"/>
+            <ac:picMk id="3" creationId="{43BA41DB-6845-950D-5384-29EE65842F44}"/>
+          </ac:picMkLst>
+        </pc:picChg>
+        <pc:picChg chg="add del mod ord">
+          <ac:chgData name="Savara, Aditya Ashi" userId="bc9c198b-2e23-46a8-8b47-c28ea74074f7" providerId="ADAL" clId="{234BAFD2-18FF-4810-ADA3-11D28C9DBD9F}" dt="2023-01-27T19:01:16.116" v="108" actId="21"/>
+          <ac:picMkLst>
+            <pc:docMk/>
+            <pc:sldMk cId="3776604935" sldId="260"/>
+            <ac:picMk id="5" creationId="{BAC4A774-AAB8-A6B8-2494-88FCF7FAE7E7}"/>
+          </ac:picMkLst>
+        </pc:picChg>
+        <pc:picChg chg="add del mod">
+          <ac:chgData name="Savara, Aditya Ashi" userId="bc9c198b-2e23-46a8-8b47-c28ea74074f7" providerId="ADAL" clId="{234BAFD2-18FF-4810-ADA3-11D28C9DBD9F}" dt="2023-01-27T19:01:16.116" v="108" actId="21"/>
+          <ac:picMkLst>
+            <pc:docMk/>
+            <pc:sldMk cId="3776604935" sldId="260"/>
+            <ac:picMk id="6" creationId="{75C0A411-9EA3-C950-91D6-BBE5243B7D22}"/>
+          </ac:picMkLst>
+        </pc:picChg>
+        <pc:picChg chg="add mod">
+          <ac:chgData name="Savara, Aditya Ashi" userId="bc9c198b-2e23-46a8-8b47-c28ea74074f7" providerId="ADAL" clId="{234BAFD2-18FF-4810-ADA3-11D28C9DBD9F}" dt="2023-01-27T19:01:24.465" v="110" actId="164"/>
+          <ac:picMkLst>
+            <pc:docMk/>
+            <pc:sldMk cId="3776604935" sldId="260"/>
+            <ac:picMk id="7" creationId="{85743EE7-4DF4-8CE4-FAF3-F41A343FE686}"/>
+          </ac:picMkLst>
+        </pc:picChg>
+        <pc:picChg chg="add mod">
+          <ac:chgData name="Savara, Aditya Ashi" userId="bc9c198b-2e23-46a8-8b47-c28ea74074f7" providerId="ADAL" clId="{234BAFD2-18FF-4810-ADA3-11D28C9DBD9F}" dt="2023-01-27T19:01:24.465" v="110" actId="164"/>
+          <ac:picMkLst>
+            <pc:docMk/>
+            <pc:sldMk cId="3776604935" sldId="260"/>
+            <ac:picMk id="8" creationId="{D830AA41-BDE7-D23E-B5D6-E29C1B5ABB05}"/>
+          </ac:picMkLst>
+        </pc:picChg>
+        <pc:picChg chg="mod">
+          <ac:chgData name="Savara, Aditya Ashi" userId="bc9c198b-2e23-46a8-8b47-c28ea74074f7" providerId="ADAL" clId="{234BAFD2-18FF-4810-ADA3-11D28C9DBD9F}" dt="2023-01-27T19:01:25.858" v="111"/>
+          <ac:picMkLst>
+            <pc:docMk/>
+            <pc:sldMk cId="3776604935" sldId="260"/>
+            <ac:picMk id="11" creationId="{0CECE6F4-0DB7-B6C6-11D7-B1A7F50B19EC}"/>
+          </ac:picMkLst>
+        </pc:picChg>
+        <pc:picChg chg="mod">
+          <ac:chgData name="Savara, Aditya Ashi" userId="bc9c198b-2e23-46a8-8b47-c28ea74074f7" providerId="ADAL" clId="{234BAFD2-18FF-4810-ADA3-11D28C9DBD9F}" dt="2023-01-27T19:01:25.858" v="111"/>
+          <ac:picMkLst>
+            <pc:docMk/>
+            <pc:sldMk cId="3776604935" sldId="260"/>
+            <ac:picMk id="12" creationId="{DB478B04-215E-DE8D-0322-3E8250407829}"/>
+          </ac:picMkLst>
+        </pc:picChg>
+        <pc:picChg chg="add del mod">
+          <ac:chgData name="Savara, Aditya Ashi" userId="bc9c198b-2e23-46a8-8b47-c28ea74074f7" providerId="ADAL" clId="{234BAFD2-18FF-4810-ADA3-11D28C9DBD9F}" dt="2023-01-27T19:01:40.142" v="117" actId="21"/>
+          <ac:picMkLst>
+            <pc:docMk/>
+            <pc:sldMk cId="3776604935" sldId="260"/>
+            <ac:picMk id="13" creationId="{95A1CFE3-3F9E-36FA-2BD4-8455D73BFBD6}"/>
+          </ac:picMkLst>
+        </pc:picChg>
+        <pc:picChg chg="add del mod">
+          <ac:chgData name="Savara, Aditya Ashi" userId="bc9c198b-2e23-46a8-8b47-c28ea74074f7" providerId="ADAL" clId="{234BAFD2-18FF-4810-ADA3-11D28C9DBD9F}" dt="2023-01-27T19:02:46.682" v="119"/>
+          <ac:picMkLst>
+            <pc:docMk/>
+            <pc:sldMk cId="3776604935" sldId="260"/>
+            <ac:picMk id="14" creationId="{0B069A86-D704-FAF6-2F07-1FF675FB01B5}"/>
+          </ac:picMkLst>
+        </pc:picChg>
+        <pc:picChg chg="add del mod">
+          <ac:chgData name="Savara, Aditya Ashi" userId="bc9c198b-2e23-46a8-8b47-c28ea74074f7" providerId="ADAL" clId="{234BAFD2-18FF-4810-ADA3-11D28C9DBD9F}" dt="2023-01-27T19:02:49.058" v="123"/>
+          <ac:picMkLst>
+            <pc:docMk/>
+            <pc:sldMk cId="3776604935" sldId="260"/>
+            <ac:picMk id="15" creationId="{47AB7933-6C65-DBC0-E7FA-8B7DDC87398B}"/>
+          </ac:picMkLst>
+        </pc:picChg>
+        <pc:picChg chg="mod">
+          <ac:chgData name="Savara, Aditya Ashi" userId="bc9c198b-2e23-46a8-8b47-c28ea74074f7" providerId="ADAL" clId="{234BAFD2-18FF-4810-ADA3-11D28C9DBD9F}" dt="2023-01-27T19:02:58.328" v="124"/>
+          <ac:picMkLst>
+            <pc:docMk/>
+            <pc:sldMk cId="3776604935" sldId="260"/>
+            <ac:picMk id="17" creationId="{52BA6465-E4B8-6B25-D722-FC0D0B7F2F46}"/>
+          </ac:picMkLst>
+        </pc:picChg>
+        <pc:picChg chg="mod">
+          <ac:chgData name="Savara, Aditya Ashi" userId="bc9c198b-2e23-46a8-8b47-c28ea74074f7" providerId="ADAL" clId="{234BAFD2-18FF-4810-ADA3-11D28C9DBD9F}" dt="2023-01-27T18:59:40.145" v="68" actId="1076"/>
+          <ac:picMkLst>
+            <pc:docMk/>
+            <pc:sldMk cId="3776604935" sldId="260"/>
+            <ac:picMk id="18" creationId="{F8189F62-D35C-02E4-5C64-51F42527D659}"/>
+          </ac:picMkLst>
+        </pc:picChg>
+        <pc:picChg chg="mod">
+          <ac:chgData name="Savara, Aditya Ashi" userId="bc9c198b-2e23-46a8-8b47-c28ea74074f7" providerId="ADAL" clId="{234BAFD2-18FF-4810-ADA3-11D28C9DBD9F}" dt="2023-01-27T19:02:58.328" v="124"/>
+          <ac:picMkLst>
+            <pc:docMk/>
+            <pc:sldMk cId="3776604935" sldId="260"/>
+            <ac:picMk id="19" creationId="{8166F27E-566E-5ABB-875F-B3279539771A}"/>
+          </ac:picMkLst>
+        </pc:picChg>
+        <pc:picChg chg="add del mod">
+          <ac:chgData name="Savara, Aditya Ashi" userId="bc9c198b-2e23-46a8-8b47-c28ea74074f7" providerId="ADAL" clId="{234BAFD2-18FF-4810-ADA3-11D28C9DBD9F}" dt="2023-01-27T19:04:26.569" v="131" actId="478"/>
+          <ac:picMkLst>
+            <pc:docMk/>
+            <pc:sldMk cId="3776604935" sldId="260"/>
+            <ac:picMk id="20" creationId="{111DE707-D43D-04A8-B0CE-73EF3736E6FF}"/>
+          </ac:picMkLst>
+        </pc:picChg>
+        <pc:picChg chg="mod">
+          <ac:chgData name="Savara, Aditya Ashi" userId="bc9c198b-2e23-46a8-8b47-c28ea74074f7" providerId="ADAL" clId="{234BAFD2-18FF-4810-ADA3-11D28C9DBD9F}" dt="2023-01-27T19:04:51.560" v="137"/>
+          <ac:picMkLst>
+            <pc:docMk/>
+            <pc:sldMk cId="3776604935" sldId="260"/>
+            <ac:picMk id="22" creationId="{4193C3CF-725D-3464-5DED-C74846C592E2}"/>
+          </ac:picMkLst>
+        </pc:picChg>
+        <pc:picChg chg="mod">
+          <ac:chgData name="Savara, Aditya Ashi" userId="bc9c198b-2e23-46a8-8b47-c28ea74074f7" providerId="ADAL" clId="{234BAFD2-18FF-4810-ADA3-11D28C9DBD9F}" dt="2023-01-27T19:04:51.560" v="137"/>
+          <ac:picMkLst>
+            <pc:docMk/>
+            <pc:sldMk cId="3776604935" sldId="260"/>
+            <ac:picMk id="23" creationId="{9D03BC7A-E45D-0C3F-DED3-17454C54707B}"/>
+          </ac:picMkLst>
+        </pc:picChg>
+        <pc:picChg chg="add del mod">
+          <ac:chgData name="Savara, Aditya Ashi" userId="bc9c198b-2e23-46a8-8b47-c28ea74074f7" providerId="ADAL" clId="{234BAFD2-18FF-4810-ADA3-11D28C9DBD9F}" dt="2023-01-27T19:05:23.764" v="146" actId="1076"/>
+          <ac:picMkLst>
+            <pc:docMk/>
+            <pc:sldMk cId="3776604935" sldId="260"/>
+            <ac:picMk id="24" creationId="{293CC50C-E5D4-AED7-EE92-899890A710BC}"/>
+          </ac:picMkLst>
+        </pc:picChg>
+      </pc:sldChg>
+      <pc:sldChg chg="addSp modSp new">
+        <pc:chgData name="Savara, Aditya Ashi" userId="bc9c198b-2e23-46a8-8b47-c28ea74074f7" providerId="ADAL" clId="{234BAFD2-18FF-4810-ADA3-11D28C9DBD9F}" dt="2023-01-27T19:05:10.051" v="144"/>
+        <pc:sldMkLst>
+          <pc:docMk/>
+          <pc:sldMk cId="2846776506" sldId="261"/>
+        </pc:sldMkLst>
+        <pc:grpChg chg="add mod">
+          <ac:chgData name="Savara, Aditya Ashi" userId="bc9c198b-2e23-46a8-8b47-c28ea74074f7" providerId="ADAL" clId="{234BAFD2-18FF-4810-ADA3-11D28C9DBD9F}" dt="2023-01-27T19:05:10.051" v="144"/>
+          <ac:grpSpMkLst>
+            <pc:docMk/>
+            <pc:sldMk cId="2846776506" sldId="261"/>
+            <ac:grpSpMk id="4" creationId="{CBC1D2AF-F74E-D85C-AB2C-6134DEC71FB8}"/>
+          </ac:grpSpMkLst>
+        </pc:grpChg>
+        <pc:picChg chg="mod">
+          <ac:chgData name="Savara, Aditya Ashi" userId="bc9c198b-2e23-46a8-8b47-c28ea74074f7" providerId="ADAL" clId="{234BAFD2-18FF-4810-ADA3-11D28C9DBD9F}" dt="2023-01-27T19:05:10.051" v="144"/>
+          <ac:picMkLst>
+            <pc:docMk/>
+            <pc:sldMk cId="2846776506" sldId="261"/>
+            <ac:picMk id="5" creationId="{B0E8D096-EBE8-C134-CE1F-87F244CD6AB7}"/>
+          </ac:picMkLst>
+        </pc:picChg>
+        <pc:picChg chg="mod">
+          <ac:chgData name="Savara, Aditya Ashi" userId="bc9c198b-2e23-46a8-8b47-c28ea74074f7" providerId="ADAL" clId="{234BAFD2-18FF-4810-ADA3-11D28C9DBD9F}" dt="2023-01-27T19:05:10.051" v="144"/>
+          <ac:picMkLst>
+            <pc:docMk/>
+            <pc:sldMk cId="2846776506" sldId="261"/>
+            <ac:picMk id="6" creationId="{B8493014-A6F8-E721-6F32-D185FF11AD16}"/>
+          </ac:picMkLst>
+        </pc:picChg>
+      </pc:sldChg>
+    </pc:docChg>
+  </pc:docChgLst>
+</pc:chgInfo>
 </file>
 
 <file path=ppt/slideLayouts/slideLayout1.xml><?xml version="1.0" encoding="utf-8"?>
@@ -148,10 +386,9 @@
           <a:lstStyle/>
           <a:p>
             <a:r>
-              <a:rPr lang="en-US" smtClean="0"/>
+              <a:rPr lang="en-US"/>
               <a:t>Click to edit Master title style</a:t>
             </a:r>
-            <a:endParaRPr lang="en-US"/>
           </a:p>
         </p:txBody>
       </p:sp>
@@ -267,10 +504,9 @@
           </a:lstStyle>
           <a:p>
             <a:r>
-              <a:rPr lang="en-US" smtClean="0"/>
+              <a:rPr lang="en-US"/>
               <a:t>Click to edit Master subtitle style</a:t>
             </a:r>
-            <a:endParaRPr lang="en-US"/>
           </a:p>
         </p:txBody>
       </p:sp>
@@ -292,7 +528,7 @@
             <a:fld id="{6C68D40F-7076-4757-8B79-91D251CEAF4D}" type="datetimeFigureOut">
               <a:rPr lang="en-US" smtClean="0"/>
               <a:pPr/>
-              <a:t>1/26/2023</a:t>
+              <a:t>1/27/2023</a:t>
             </a:fld>
             <a:endParaRPr lang="en-US"/>
           </a:p>
@@ -382,10 +618,9 @@
           <a:lstStyle/>
           <a:p>
             <a:r>
-              <a:rPr lang="en-US" smtClean="0"/>
+              <a:rPr lang="en-US"/>
               <a:t>Click to edit Master title style</a:t>
             </a:r>
-            <a:endParaRPr lang="en-US"/>
           </a:p>
         </p:txBody>
       </p:sp>
@@ -406,38 +641,37 @@
           <a:p>
             <a:pPr lvl="0"/>
             <a:r>
-              <a:rPr lang="en-US" smtClean="0"/>
+              <a:rPr lang="en-US"/>
               <a:t>Click to edit Master text styles</a:t>
             </a:r>
           </a:p>
           <a:p>
             <a:pPr lvl="1"/>
             <a:r>
-              <a:rPr lang="en-US" smtClean="0"/>
+              <a:rPr lang="en-US"/>
               <a:t>Second level</a:t>
             </a:r>
           </a:p>
           <a:p>
             <a:pPr lvl="2"/>
             <a:r>
-              <a:rPr lang="en-US" smtClean="0"/>
+              <a:rPr lang="en-US"/>
               <a:t>Third level</a:t>
             </a:r>
           </a:p>
           <a:p>
             <a:pPr lvl="3"/>
             <a:r>
-              <a:rPr lang="en-US" smtClean="0"/>
+              <a:rPr lang="en-US"/>
               <a:t>Fourth level</a:t>
             </a:r>
           </a:p>
           <a:p>
             <a:pPr lvl="4"/>
             <a:r>
-              <a:rPr lang="en-US" smtClean="0"/>
+              <a:rPr lang="en-US"/>
               <a:t>Fifth level</a:t>
             </a:r>
-            <a:endParaRPr lang="en-US"/>
           </a:p>
         </p:txBody>
       </p:sp>
@@ -459,7 +693,7 @@
             <a:fld id="{6C68D40F-7076-4757-8B79-91D251CEAF4D}" type="datetimeFigureOut">
               <a:rPr lang="en-US" smtClean="0"/>
               <a:pPr/>
-              <a:t>1/26/2023</a:t>
+              <a:t>1/27/2023</a:t>
             </a:fld>
             <a:endParaRPr lang="en-US"/>
           </a:p>
@@ -554,10 +788,9 @@
           <a:lstStyle/>
           <a:p>
             <a:r>
-              <a:rPr lang="en-US" smtClean="0"/>
+              <a:rPr lang="en-US"/>
               <a:t>Click to edit Master title style</a:t>
             </a:r>
-            <a:endParaRPr lang="en-US"/>
           </a:p>
         </p:txBody>
       </p:sp>
@@ -583,38 +816,37 @@
           <a:p>
             <a:pPr lvl="0"/>
             <a:r>
-              <a:rPr lang="en-US" smtClean="0"/>
+              <a:rPr lang="en-US"/>
               <a:t>Click to edit Master text styles</a:t>
             </a:r>
           </a:p>
           <a:p>
             <a:pPr lvl="1"/>
             <a:r>
-              <a:rPr lang="en-US" smtClean="0"/>
+              <a:rPr lang="en-US"/>
               <a:t>Second level</a:t>
             </a:r>
           </a:p>
           <a:p>
             <a:pPr lvl="2"/>
             <a:r>
-              <a:rPr lang="en-US" smtClean="0"/>
+              <a:rPr lang="en-US"/>
               <a:t>Third level</a:t>
             </a:r>
           </a:p>
           <a:p>
             <a:pPr lvl="3"/>
             <a:r>
-              <a:rPr lang="en-US" smtClean="0"/>
+              <a:rPr lang="en-US"/>
               <a:t>Fourth level</a:t>
             </a:r>
           </a:p>
           <a:p>
             <a:pPr lvl="4"/>
             <a:r>
-              <a:rPr lang="en-US" smtClean="0"/>
+              <a:rPr lang="en-US"/>
               <a:t>Fifth level</a:t>
             </a:r>
-            <a:endParaRPr lang="en-US"/>
           </a:p>
         </p:txBody>
       </p:sp>
@@ -636,7 +868,7 @@
             <a:fld id="{6C68D40F-7076-4757-8B79-91D251CEAF4D}" type="datetimeFigureOut">
               <a:rPr lang="en-US" smtClean="0"/>
               <a:pPr/>
-              <a:t>1/26/2023</a:t>
+              <a:t>1/27/2023</a:t>
             </a:fld>
             <a:endParaRPr lang="en-US"/>
           </a:p>
@@ -726,10 +958,9 @@
           <a:lstStyle/>
           <a:p>
             <a:r>
-              <a:rPr lang="en-US" smtClean="0"/>
+              <a:rPr lang="en-US"/>
               <a:t>Click to edit Master title style</a:t>
             </a:r>
-            <a:endParaRPr lang="en-US"/>
           </a:p>
         </p:txBody>
       </p:sp>
@@ -750,38 +981,37 @@
           <a:p>
             <a:pPr lvl="0"/>
             <a:r>
-              <a:rPr lang="en-US" smtClean="0"/>
+              <a:rPr lang="en-US"/>
               <a:t>Click to edit Master text styles</a:t>
             </a:r>
           </a:p>
           <a:p>
             <a:pPr lvl="1"/>
             <a:r>
-              <a:rPr lang="en-US" smtClean="0"/>
+              <a:rPr lang="en-US"/>
               <a:t>Second level</a:t>
             </a:r>
           </a:p>
           <a:p>
             <a:pPr lvl="2"/>
             <a:r>
-              <a:rPr lang="en-US" smtClean="0"/>
+              <a:rPr lang="en-US"/>
               <a:t>Third level</a:t>
             </a:r>
           </a:p>
           <a:p>
             <a:pPr lvl="3"/>
             <a:r>
-              <a:rPr lang="en-US" smtClean="0"/>
+              <a:rPr lang="en-US"/>
               <a:t>Fourth level</a:t>
             </a:r>
           </a:p>
           <a:p>
             <a:pPr lvl="4"/>
             <a:r>
-              <a:rPr lang="en-US" smtClean="0"/>
+              <a:rPr lang="en-US"/>
               <a:t>Fifth level</a:t>
             </a:r>
-            <a:endParaRPr lang="en-US"/>
           </a:p>
         </p:txBody>
       </p:sp>
@@ -803,7 +1033,7 @@
             <a:fld id="{6C68D40F-7076-4757-8B79-91D251CEAF4D}" type="datetimeFigureOut">
               <a:rPr lang="en-US" smtClean="0"/>
               <a:pPr/>
-              <a:t>1/26/2023</a:t>
+              <a:t>1/27/2023</a:t>
             </a:fld>
             <a:endParaRPr lang="en-US"/>
           </a:p>
@@ -902,10 +1132,9 @@
           </a:lstStyle>
           <a:p>
             <a:r>
-              <a:rPr lang="en-US" smtClean="0"/>
+              <a:rPr lang="en-US"/>
               <a:t>Click to edit Master title style</a:t>
             </a:r>
-            <a:endParaRPr lang="en-US"/>
           </a:p>
         </p:txBody>
       </p:sp>
@@ -1022,7 +1251,7 @@
           <a:p>
             <a:pPr lvl="0"/>
             <a:r>
-              <a:rPr lang="en-US" smtClean="0"/>
+              <a:rPr lang="en-US"/>
               <a:t>Click to edit Master text styles</a:t>
             </a:r>
           </a:p>
@@ -1046,7 +1275,7 @@
             <a:fld id="{6C68D40F-7076-4757-8B79-91D251CEAF4D}" type="datetimeFigureOut">
               <a:rPr lang="en-US" smtClean="0"/>
               <a:pPr/>
-              <a:t>1/26/2023</a:t>
+              <a:t>1/27/2023</a:t>
             </a:fld>
             <a:endParaRPr lang="en-US"/>
           </a:p>
@@ -1136,10 +1365,9 @@
           <a:lstStyle/>
           <a:p>
             <a:r>
-              <a:rPr lang="en-US" smtClean="0"/>
+              <a:rPr lang="en-US"/>
               <a:t>Click to edit Master title style</a:t>
             </a:r>
-            <a:endParaRPr lang="en-US"/>
           </a:p>
         </p:txBody>
       </p:sp>
@@ -1193,38 +1421,37 @@
           <a:p>
             <a:pPr lvl="0"/>
             <a:r>
-              <a:rPr lang="en-US" smtClean="0"/>
+              <a:rPr lang="en-US"/>
               <a:t>Click to edit Master text styles</a:t>
             </a:r>
           </a:p>
           <a:p>
             <a:pPr lvl="1"/>
             <a:r>
-              <a:rPr lang="en-US" smtClean="0"/>
+              <a:rPr lang="en-US"/>
               <a:t>Second level</a:t>
             </a:r>
           </a:p>
           <a:p>
             <a:pPr lvl="2"/>
             <a:r>
-              <a:rPr lang="en-US" smtClean="0"/>
+              <a:rPr lang="en-US"/>
               <a:t>Third level</a:t>
             </a:r>
           </a:p>
           <a:p>
             <a:pPr lvl="3"/>
             <a:r>
-              <a:rPr lang="en-US" smtClean="0"/>
+              <a:rPr lang="en-US"/>
               <a:t>Fourth level</a:t>
             </a:r>
           </a:p>
           <a:p>
             <a:pPr lvl="4"/>
             <a:r>
-              <a:rPr lang="en-US" smtClean="0"/>
+              <a:rPr lang="en-US"/>
               <a:t>Fifth level</a:t>
             </a:r>
-            <a:endParaRPr lang="en-US"/>
           </a:p>
         </p:txBody>
       </p:sp>
@@ -1278,38 +1505,37 @@
           <a:p>
             <a:pPr lvl="0"/>
             <a:r>
-              <a:rPr lang="en-US" smtClean="0"/>
+              <a:rPr lang="en-US"/>
               <a:t>Click to edit Master text styles</a:t>
             </a:r>
           </a:p>
           <a:p>
             <a:pPr lvl="1"/>
             <a:r>
-              <a:rPr lang="en-US" smtClean="0"/>
+              <a:rPr lang="en-US"/>
               <a:t>Second level</a:t>
             </a:r>
           </a:p>
           <a:p>
             <a:pPr lvl="2"/>
             <a:r>
-              <a:rPr lang="en-US" smtClean="0"/>
+              <a:rPr lang="en-US"/>
               <a:t>Third level</a:t>
             </a:r>
           </a:p>
           <a:p>
             <a:pPr lvl="3"/>
             <a:r>
-              <a:rPr lang="en-US" smtClean="0"/>
+              <a:rPr lang="en-US"/>
               <a:t>Fourth level</a:t>
             </a:r>
           </a:p>
           <a:p>
             <a:pPr lvl="4"/>
             <a:r>
-              <a:rPr lang="en-US" smtClean="0"/>
+              <a:rPr lang="en-US"/>
               <a:t>Fifth level</a:t>
             </a:r>
-            <a:endParaRPr lang="en-US"/>
           </a:p>
         </p:txBody>
       </p:sp>
@@ -1331,7 +1557,7 @@
             <a:fld id="{6C68D40F-7076-4757-8B79-91D251CEAF4D}" type="datetimeFigureOut">
               <a:rPr lang="en-US" smtClean="0"/>
               <a:pPr/>
-              <a:t>1/26/2023</a:t>
+              <a:t>1/27/2023</a:t>
             </a:fld>
             <a:endParaRPr lang="en-US"/>
           </a:p>
@@ -1425,10 +1651,9 @@
           </a:lstStyle>
           <a:p>
             <a:r>
-              <a:rPr lang="en-US" smtClean="0"/>
+              <a:rPr lang="en-US"/>
               <a:t>Click to edit Master title style</a:t>
             </a:r>
-            <a:endParaRPr lang="en-US"/>
           </a:p>
         </p:txBody>
       </p:sp>
@@ -1491,7 +1716,7 @@
           <a:p>
             <a:pPr lvl="0"/>
             <a:r>
-              <a:rPr lang="en-US" smtClean="0"/>
+              <a:rPr lang="en-US"/>
               <a:t>Click to edit Master text styles</a:t>
             </a:r>
           </a:p>
@@ -1547,38 +1772,37 @@
           <a:p>
             <a:pPr lvl="0"/>
             <a:r>
-              <a:rPr lang="en-US" smtClean="0"/>
+              <a:rPr lang="en-US"/>
               <a:t>Click to edit Master text styles</a:t>
             </a:r>
           </a:p>
           <a:p>
             <a:pPr lvl="1"/>
             <a:r>
-              <a:rPr lang="en-US" smtClean="0"/>
+              <a:rPr lang="en-US"/>
               <a:t>Second level</a:t>
             </a:r>
           </a:p>
           <a:p>
             <a:pPr lvl="2"/>
             <a:r>
-              <a:rPr lang="en-US" smtClean="0"/>
+              <a:rPr lang="en-US"/>
               <a:t>Third level</a:t>
             </a:r>
           </a:p>
           <a:p>
             <a:pPr lvl="3"/>
             <a:r>
-              <a:rPr lang="en-US" smtClean="0"/>
+              <a:rPr lang="en-US"/>
               <a:t>Fourth level</a:t>
             </a:r>
           </a:p>
           <a:p>
             <a:pPr lvl="4"/>
             <a:r>
-              <a:rPr lang="en-US" smtClean="0"/>
+              <a:rPr lang="en-US"/>
               <a:t>Fifth level</a:t>
             </a:r>
-            <a:endParaRPr lang="en-US"/>
           </a:p>
         </p:txBody>
       </p:sp>
@@ -1641,7 +1865,7 @@
           <a:p>
             <a:pPr lvl="0"/>
             <a:r>
-              <a:rPr lang="en-US" smtClean="0"/>
+              <a:rPr lang="en-US"/>
               <a:t>Click to edit Master text styles</a:t>
             </a:r>
           </a:p>
@@ -1697,38 +1921,37 @@
           <a:p>
             <a:pPr lvl="0"/>
             <a:r>
-              <a:rPr lang="en-US" smtClean="0"/>
+              <a:rPr lang="en-US"/>
               <a:t>Click to edit Master text styles</a:t>
             </a:r>
           </a:p>
           <a:p>
             <a:pPr lvl="1"/>
             <a:r>
-              <a:rPr lang="en-US" smtClean="0"/>
+              <a:rPr lang="en-US"/>
               <a:t>Second level</a:t>
             </a:r>
           </a:p>
           <a:p>
             <a:pPr lvl="2"/>
             <a:r>
-              <a:rPr lang="en-US" smtClean="0"/>
+              <a:rPr lang="en-US"/>
               <a:t>Third level</a:t>
             </a:r>
           </a:p>
           <a:p>
             <a:pPr lvl="3"/>
             <a:r>
-              <a:rPr lang="en-US" smtClean="0"/>
+              <a:rPr lang="en-US"/>
               <a:t>Fourth level</a:t>
             </a:r>
           </a:p>
           <a:p>
             <a:pPr lvl="4"/>
             <a:r>
-              <a:rPr lang="en-US" smtClean="0"/>
+              <a:rPr lang="en-US"/>
               <a:t>Fifth level</a:t>
             </a:r>
-            <a:endParaRPr lang="en-US"/>
           </a:p>
         </p:txBody>
       </p:sp>
@@ -1750,7 +1973,7 @@
             <a:fld id="{6C68D40F-7076-4757-8B79-91D251CEAF4D}" type="datetimeFigureOut">
               <a:rPr lang="en-US" smtClean="0"/>
               <a:pPr/>
-              <a:t>1/26/2023</a:t>
+              <a:t>1/27/2023</a:t>
             </a:fld>
             <a:endParaRPr lang="en-US"/>
           </a:p>
@@ -1840,10 +2063,9 @@
           <a:lstStyle/>
           <a:p>
             <a:r>
-              <a:rPr lang="en-US" smtClean="0"/>
+              <a:rPr lang="en-US"/>
               <a:t>Click to edit Master title style</a:t>
             </a:r>
-            <a:endParaRPr lang="en-US"/>
           </a:p>
         </p:txBody>
       </p:sp>
@@ -1865,7 +2087,7 @@
             <a:fld id="{6C68D40F-7076-4757-8B79-91D251CEAF4D}" type="datetimeFigureOut">
               <a:rPr lang="en-US" smtClean="0"/>
               <a:pPr/>
-              <a:t>1/26/2023</a:t>
+              <a:t>1/27/2023</a:t>
             </a:fld>
             <a:endParaRPr lang="en-US"/>
           </a:p>
@@ -1957,7 +2179,7 @@
             <a:fld id="{6C68D40F-7076-4757-8B79-91D251CEAF4D}" type="datetimeFigureOut">
               <a:rPr lang="en-US" smtClean="0"/>
               <a:pPr/>
-              <a:t>1/26/2023</a:t>
+              <a:t>1/27/2023</a:t>
             </a:fld>
             <a:endParaRPr lang="en-US"/>
           </a:p>
@@ -2056,10 +2278,9 @@
           </a:lstStyle>
           <a:p>
             <a:r>
-              <a:rPr lang="en-US" smtClean="0"/>
+              <a:rPr lang="en-US"/>
               <a:t>Click to edit Master title style</a:t>
             </a:r>
-            <a:endParaRPr lang="en-US"/>
           </a:p>
         </p:txBody>
       </p:sp>
@@ -2113,38 +2334,37 @@
           <a:p>
             <a:pPr lvl="0"/>
             <a:r>
-              <a:rPr lang="en-US" smtClean="0"/>
+              <a:rPr lang="en-US"/>
               <a:t>Click to edit Master text styles</a:t>
             </a:r>
           </a:p>
           <a:p>
             <a:pPr lvl="1"/>
             <a:r>
-              <a:rPr lang="en-US" smtClean="0"/>
+              <a:rPr lang="en-US"/>
               <a:t>Second level</a:t>
             </a:r>
           </a:p>
           <a:p>
             <a:pPr lvl="2"/>
             <a:r>
-              <a:rPr lang="en-US" smtClean="0"/>
+              <a:rPr lang="en-US"/>
               <a:t>Third level</a:t>
             </a:r>
           </a:p>
           <a:p>
             <a:pPr lvl="3"/>
             <a:r>
-              <a:rPr lang="en-US" smtClean="0"/>
+              <a:rPr lang="en-US"/>
               <a:t>Fourth level</a:t>
             </a:r>
           </a:p>
           <a:p>
             <a:pPr lvl="4"/>
             <a:r>
-              <a:rPr lang="en-US" smtClean="0"/>
+              <a:rPr lang="en-US"/>
               <a:t>Fifth level</a:t>
             </a:r>
-            <a:endParaRPr lang="en-US"/>
           </a:p>
         </p:txBody>
       </p:sp>
@@ -2207,7 +2427,7 @@
           <a:p>
             <a:pPr lvl="0"/>
             <a:r>
-              <a:rPr lang="en-US" smtClean="0"/>
+              <a:rPr lang="en-US"/>
               <a:t>Click to edit Master text styles</a:t>
             </a:r>
           </a:p>
@@ -2231,7 +2451,7 @@
             <a:fld id="{6C68D40F-7076-4757-8B79-91D251CEAF4D}" type="datetimeFigureOut">
               <a:rPr lang="en-US" smtClean="0"/>
               <a:pPr/>
-              <a:t>1/26/2023</a:t>
+              <a:t>1/27/2023</a:t>
             </a:fld>
             <a:endParaRPr lang="en-US"/>
           </a:p>
@@ -2330,10 +2550,9 @@
           </a:lstStyle>
           <a:p>
             <a:r>
-              <a:rPr lang="en-US" smtClean="0"/>
+              <a:rPr lang="en-US"/>
               <a:t>Click to edit Master title style</a:t>
             </a:r>
-            <a:endParaRPr lang="en-US"/>
           </a:p>
         </p:txBody>
       </p:sp>
@@ -2457,7 +2676,7 @@
           <a:p>
             <a:pPr lvl="0"/>
             <a:r>
-              <a:rPr lang="en-US" smtClean="0"/>
+              <a:rPr lang="en-US"/>
               <a:t>Click to edit Master text styles</a:t>
             </a:r>
           </a:p>
@@ -2481,7 +2700,7 @@
             <a:fld id="{6C68D40F-7076-4757-8B79-91D251CEAF4D}" type="datetimeFigureOut">
               <a:rPr lang="en-US" smtClean="0"/>
               <a:pPr/>
-              <a:t>1/26/2023</a:t>
+              <a:t>1/27/2023</a:t>
             </a:fld>
             <a:endParaRPr lang="en-US"/>
           </a:p>
@@ -2586,10 +2805,9 @@
           <a:lstStyle/>
           <a:p>
             <a:r>
-              <a:rPr lang="en-US" smtClean="0"/>
+              <a:rPr lang="en-US"/>
               <a:t>Click to edit Master title style</a:t>
             </a:r>
-            <a:endParaRPr lang="en-US"/>
           </a:p>
         </p:txBody>
       </p:sp>
@@ -2620,38 +2838,37 @@
           <a:p>
             <a:pPr lvl="0"/>
             <a:r>
-              <a:rPr lang="en-US" smtClean="0"/>
+              <a:rPr lang="en-US"/>
               <a:t>Click to edit Master text styles</a:t>
             </a:r>
           </a:p>
           <a:p>
             <a:pPr lvl="1"/>
             <a:r>
-              <a:rPr lang="en-US" smtClean="0"/>
+              <a:rPr lang="en-US"/>
               <a:t>Second level</a:t>
             </a:r>
           </a:p>
           <a:p>
             <a:pPr lvl="2"/>
             <a:r>
-              <a:rPr lang="en-US" smtClean="0"/>
+              <a:rPr lang="en-US"/>
               <a:t>Third level</a:t>
             </a:r>
           </a:p>
           <a:p>
             <a:pPr lvl="3"/>
             <a:r>
-              <a:rPr lang="en-US" smtClean="0"/>
+              <a:rPr lang="en-US"/>
               <a:t>Fourth level</a:t>
             </a:r>
           </a:p>
           <a:p>
             <a:pPr lvl="4"/>
             <a:r>
-              <a:rPr lang="en-US" smtClean="0"/>
+              <a:rPr lang="en-US"/>
               <a:t>Fifth level</a:t>
             </a:r>
-            <a:endParaRPr lang="en-US"/>
           </a:p>
         </p:txBody>
       </p:sp>
@@ -2691,7 +2908,7 @@
             <a:fld id="{6C68D40F-7076-4757-8B79-91D251CEAF4D}" type="datetimeFigureOut">
               <a:rPr lang="en-US" smtClean="0"/>
               <a:pPr/>
-              <a:t>1/26/2023</a:t>
+              <a:t>1/27/2023</a:t>
             </a:fld>
             <a:endParaRPr lang="en-US"/>
           </a:p>
@@ -3085,10 +3302,9 @@
           <a:lstStyle/>
           <a:p>
             <a:r>
-              <a:rPr lang="en-US" dirty="0" smtClean="0"/>
+              <a:rPr lang="en-US" dirty="0"/>
               <a:t>Data From Different Studies, Even with Different Units</a:t>
             </a:r>
-            <a:endParaRPr lang="en-US" dirty="0"/>
           </a:p>
         </p:txBody>
       </p:sp>
@@ -3115,7 +3331,7 @@
           <a:lstStyle/>
           <a:p>
             <a:r>
-              <a:rPr lang="en-US" dirty="0" smtClean="0"/>
+              <a:rPr lang="en-US" dirty="0"/>
               <a:t>Software Combines and Displays</a:t>
             </a:r>
           </a:p>
@@ -3144,10 +3360,9 @@
           <a:lstStyle/>
           <a:p>
             <a:r>
-              <a:rPr lang="en-US" dirty="0" smtClean="0"/>
+              <a:rPr lang="en-US" dirty="0"/>
               <a:t>Compared by Researcher</a:t>
             </a:r>
-            <a:endParaRPr lang="en-US" dirty="0"/>
           </a:p>
         </p:txBody>
       </p:sp>
@@ -3488,414 +3703,102 @@
           <a:chExt cx="0" cy="0"/>
         </a:xfrm>
       </p:grpSpPr>
-      <p:sp>
-        <p:nvSpPr>
-          <p:cNvPr id="4" name="TextBox 3"/>
-          <p:cNvSpPr txBox="1"/>
-          <p:nvPr/>
-        </p:nvSpPr>
-        <p:spPr>
-          <a:xfrm>
-            <a:off x="76200" y="4754940"/>
-            <a:ext cx="3626912" cy="1569660"/>
-          </a:xfrm>
-          <a:prstGeom prst="rect">
-            <a:avLst/>
-          </a:prstGeom>
-          <a:noFill/>
-        </p:spPr>
-        <p:txBody>
-          <a:bodyPr wrap="square" rtlCol="0">
-            <a:spAutoFit/>
-          </a:bodyPr>
-          <a:lstStyle/>
-          <a:p>
-            <a:r>
-              <a:rPr lang="en-US" sz="3200" dirty="0" smtClean="0"/>
-              <a:t>Data </a:t>
-            </a:r>
-            <a:r>
-              <a:rPr lang="en-US" sz="3200" dirty="0" smtClean="0"/>
-              <a:t>from </a:t>
-            </a:r>
-            <a:r>
-              <a:rPr lang="en-US" sz="3200" dirty="0" smtClean="0"/>
-              <a:t>Different Studies, Even with Different Units</a:t>
-            </a:r>
-            <a:endParaRPr lang="en-US" sz="3200" dirty="0"/>
-          </a:p>
-        </p:txBody>
-      </p:sp>
-      <p:sp>
-        <p:nvSpPr>
-          <p:cNvPr id="6" name="TextBox 5"/>
-          <p:cNvSpPr txBox="1"/>
-          <p:nvPr/>
-        </p:nvSpPr>
-        <p:spPr>
-          <a:xfrm>
-            <a:off x="2133600" y="1219200"/>
-            <a:ext cx="3581400" cy="1077218"/>
-          </a:xfrm>
-          <a:prstGeom prst="rect">
-            <a:avLst/>
-          </a:prstGeom>
-          <a:noFill/>
-        </p:spPr>
-        <p:txBody>
-          <a:bodyPr wrap="square" rtlCol="0">
-            <a:spAutoFit/>
-          </a:bodyPr>
-          <a:lstStyle/>
-          <a:p>
-            <a:r>
-              <a:rPr lang="en-US" sz="3200" dirty="0" smtClean="0"/>
-              <a:t>Software Combines and Displays</a:t>
-            </a:r>
-          </a:p>
-        </p:txBody>
-      </p:sp>
-      <p:sp>
-        <p:nvSpPr>
-          <p:cNvPr id="8" name="TextBox 7"/>
-          <p:cNvSpPr txBox="1"/>
-          <p:nvPr/>
-        </p:nvSpPr>
-        <p:spPr>
-          <a:xfrm>
-            <a:off x="6324600" y="4373940"/>
-            <a:ext cx="2895600" cy="1077218"/>
-          </a:xfrm>
-          <a:prstGeom prst="rect">
-            <a:avLst/>
-          </a:prstGeom>
-          <a:noFill/>
-        </p:spPr>
-        <p:txBody>
-          <a:bodyPr wrap="square" rtlCol="0">
-            <a:spAutoFit/>
-          </a:bodyPr>
-          <a:lstStyle/>
-          <a:p>
-            <a:r>
-              <a:rPr lang="en-US" sz="3200" dirty="0" smtClean="0"/>
-              <a:t>Compared by Researcher</a:t>
-            </a:r>
-            <a:endParaRPr lang="en-US" sz="3200" dirty="0"/>
-          </a:p>
-        </p:txBody>
-      </p:sp>
       <p:pic>
         <p:nvPicPr>
-          <p:cNvPr id="1029" name="Picture 5" descr="Human Eye Side View Illustrations, Royalty-Free Vector Graphics &amp; Clip ..."/>
+          <p:cNvPr id="18" name="Picture 17">
+            <a:extLst>
+              <a:ext uri="{FF2B5EF4-FFF2-40B4-BE49-F238E27FC236}">
+                <a16:creationId xmlns:a16="http://schemas.microsoft.com/office/drawing/2014/main" id="{F8189F62-D35C-02E4-5C64-51F42527D659}"/>
+              </a:ext>
+            </a:extLst>
+          </p:cNvPr>
           <p:cNvPicPr>
-            <a:picLocks noChangeAspect="1" noChangeArrowheads="1"/>
+            <a:picLocks noChangeAspect="1"/>
           </p:cNvPicPr>
           <p:nvPr/>
         </p:nvPicPr>
         <p:blipFill>
-          <a:blip r:embed="rId2" cstate="print"/>
-          <a:srcRect/>
+          <a:blip r:embed="rId2"/>
           <a:stretch>
             <a:fillRect/>
           </a:stretch>
         </p:blipFill>
-        <p:spPr bwMode="auto">
-          <a:xfrm>
-            <a:off x="6202888" y="1554540"/>
-            <a:ext cx="2864912" cy="2743200"/>
+        <p:spPr>
+          <a:xfrm>
+            <a:off x="838200" y="970437"/>
+            <a:ext cx="3516097" cy="2029936"/>
           </a:xfrm>
           <a:prstGeom prst="rect">
             <a:avLst/>
           </a:prstGeom>
-          <a:noFill/>
         </p:spPr>
       </p:pic>
       <p:pic>
         <p:nvPicPr>
-          <p:cNvPr id="1031" name="Picture 7" descr="Responsive design for web- computer"/>
+          <p:cNvPr id="32" name="Picture 31">
+            <a:extLst>
+              <a:ext uri="{FF2B5EF4-FFF2-40B4-BE49-F238E27FC236}">
+                <a16:creationId xmlns:a16="http://schemas.microsoft.com/office/drawing/2014/main" id="{38491832-E6BF-8024-6EF3-993B0B1B44C8}"/>
+              </a:ext>
+            </a:extLst>
+          </p:cNvPr>
           <p:cNvPicPr>
-            <a:picLocks noChangeAspect="1" noChangeArrowheads="1"/>
+            <a:picLocks noChangeAspect="1"/>
           </p:cNvPicPr>
           <p:nvPr/>
         </p:nvPicPr>
         <p:blipFill>
-          <a:blip r:embed="rId3" cstate="print"/>
-          <a:srcRect b="12308"/>
+          <a:blip r:embed="rId3"/>
           <a:stretch>
             <a:fillRect/>
           </a:stretch>
         </p:blipFill>
-        <p:spPr bwMode="auto">
-          <a:xfrm>
-            <a:off x="2847241" y="2468940"/>
-            <a:ext cx="1648559" cy="1085851"/>
+        <p:spPr>
+          <a:xfrm>
+            <a:off x="5281455" y="970437"/>
+            <a:ext cx="3024345" cy="1889964"/>
           </a:xfrm>
           <a:prstGeom prst="rect">
             <a:avLst/>
           </a:prstGeom>
-          <a:noFill/>
         </p:spPr>
       </p:pic>
       <p:pic>
         <p:nvPicPr>
-          <p:cNvPr id="1032" name="Picture 8" descr="C:\Program Files (x86)\Microsoft Office\MEDIA\CAGCAT10\j0196400.wmf"/>
+          <p:cNvPr id="24" name="Picture 23">
+            <a:extLst>
+              <a:ext uri="{FF2B5EF4-FFF2-40B4-BE49-F238E27FC236}">
+                <a16:creationId xmlns:a16="http://schemas.microsoft.com/office/drawing/2014/main" id="{293CC50C-E5D4-AED7-EE92-899890A710BC}"/>
+              </a:ext>
+            </a:extLst>
+          </p:cNvPr>
           <p:cNvPicPr>
-            <a:picLocks noChangeAspect="1" noChangeArrowheads="1"/>
+            <a:picLocks noChangeAspect="1"/>
           </p:cNvPicPr>
           <p:nvPr/>
         </p:nvPicPr>
         <p:blipFill>
-          <a:blip r:embed="rId4" cstate="print"/>
-          <a:srcRect/>
+          <a:blip r:embed="rId4"/>
           <a:stretch>
             <a:fillRect/>
           </a:stretch>
         </p:blipFill>
-        <p:spPr bwMode="auto">
-          <a:xfrm>
-            <a:off x="228600" y="1173540"/>
-            <a:ext cx="958665" cy="1025089"/>
+        <p:spPr>
+          <a:xfrm>
+            <a:off x="846992" y="3657600"/>
+            <a:ext cx="3516097" cy="2029438"/>
           </a:xfrm>
           <a:prstGeom prst="rect">
             <a:avLst/>
           </a:prstGeom>
-          <a:noFill/>
         </p:spPr>
       </p:pic>
-      <p:pic>
-        <p:nvPicPr>
-          <p:cNvPr id="1034" name="Picture 10" descr="C:\Users\Yurik\AppData\Local\Microsoft\Windows\INetCache\IE\423IUIFB\paper-40205_960_720[1].png"/>
-          <p:cNvPicPr>
-            <a:picLocks noChangeAspect="1" noChangeArrowheads="1"/>
-          </p:cNvPicPr>
-          <p:nvPr/>
-        </p:nvPicPr>
-        <p:blipFill>
-          <a:blip r:embed="rId5" cstate="print"/>
-          <a:srcRect/>
-          <a:stretch>
-            <a:fillRect/>
-          </a:stretch>
-        </p:blipFill>
-        <p:spPr bwMode="auto">
-          <a:xfrm>
-            <a:off x="228600" y="2316540"/>
-            <a:ext cx="762000" cy="983226"/>
-          </a:xfrm>
-          <a:prstGeom prst="rect">
-            <a:avLst/>
-          </a:prstGeom>
-          <a:noFill/>
-        </p:spPr>
-      </p:pic>
-      <p:pic>
-        <p:nvPicPr>
-          <p:cNvPr id="1035" name="Picture 11" descr="C:\Users\Yurik\AppData\Local\Microsoft\Windows\INetCache\IE\XXU3U87C\paper-23700_640[1].png"/>
-          <p:cNvPicPr>
-            <a:picLocks noChangeAspect="1" noChangeArrowheads="1"/>
-          </p:cNvPicPr>
-          <p:nvPr/>
-        </p:nvPicPr>
-        <p:blipFill>
-          <a:blip r:embed="rId6" cstate="print"/>
-          <a:srcRect/>
-          <a:stretch>
-            <a:fillRect/>
-          </a:stretch>
-        </p:blipFill>
-        <p:spPr bwMode="auto">
-          <a:xfrm>
-            <a:off x="228600" y="3383340"/>
-            <a:ext cx="942296" cy="1220788"/>
-          </a:xfrm>
-          <a:prstGeom prst="rect">
-            <a:avLst/>
-          </a:prstGeom>
-          <a:noFill/>
-        </p:spPr>
-      </p:pic>
-      <p:cxnSp>
-        <p:nvCxnSpPr>
-          <p:cNvPr id="22" name="Straight Connector 21"/>
-          <p:cNvCxnSpPr/>
-          <p:nvPr/>
-        </p:nvCxnSpPr>
-        <p:spPr>
-          <a:xfrm>
-            <a:off x="1447800" y="1935540"/>
-            <a:ext cx="1295400" cy="762000"/>
-          </a:xfrm>
-          <a:prstGeom prst="line">
-            <a:avLst/>
-          </a:prstGeom>
-        </p:spPr>
-        <p:style>
-          <a:lnRef idx="3">
-            <a:schemeClr val="accent1"/>
-          </a:lnRef>
-          <a:fillRef idx="0">
-            <a:schemeClr val="accent1"/>
-          </a:fillRef>
-          <a:effectRef idx="2">
-            <a:schemeClr val="accent1"/>
-          </a:effectRef>
-          <a:fontRef idx="minor">
-            <a:schemeClr val="tx1"/>
-          </a:fontRef>
-        </p:style>
-      </p:cxnSp>
-      <p:cxnSp>
-        <p:nvCxnSpPr>
-          <p:cNvPr id="24" name="Straight Connector 23"/>
-          <p:cNvCxnSpPr/>
-          <p:nvPr/>
-        </p:nvCxnSpPr>
-        <p:spPr>
-          <a:xfrm>
-            <a:off x="1295400" y="2926140"/>
-            <a:ext cx="1371600" cy="0"/>
-          </a:xfrm>
-          <a:prstGeom prst="line">
-            <a:avLst/>
-          </a:prstGeom>
-        </p:spPr>
-        <p:style>
-          <a:lnRef idx="3">
-            <a:schemeClr val="accent1"/>
-          </a:lnRef>
-          <a:fillRef idx="0">
-            <a:schemeClr val="accent1"/>
-          </a:fillRef>
-          <a:effectRef idx="2">
-            <a:schemeClr val="accent1"/>
-          </a:effectRef>
-          <a:fontRef idx="minor">
-            <a:schemeClr val="tx1"/>
-          </a:fontRef>
-        </p:style>
-      </p:cxnSp>
-      <p:cxnSp>
-        <p:nvCxnSpPr>
-          <p:cNvPr id="26" name="Straight Connector 25"/>
-          <p:cNvCxnSpPr/>
-          <p:nvPr/>
-        </p:nvCxnSpPr>
-        <p:spPr>
-          <a:xfrm flipV="1">
-            <a:off x="1371600" y="3230940"/>
-            <a:ext cx="1295400" cy="685800"/>
-          </a:xfrm>
-          <a:prstGeom prst="line">
-            <a:avLst/>
-          </a:prstGeom>
-        </p:spPr>
-        <p:style>
-          <a:lnRef idx="3">
-            <a:schemeClr val="accent1"/>
-          </a:lnRef>
-          <a:fillRef idx="0">
-            <a:schemeClr val="accent1"/>
-          </a:fillRef>
-          <a:effectRef idx="2">
-            <a:schemeClr val="accent1"/>
-          </a:effectRef>
-          <a:fontRef idx="minor">
-            <a:schemeClr val="tx1"/>
-          </a:fontRef>
-        </p:style>
-      </p:cxnSp>
-      <p:cxnSp>
-        <p:nvCxnSpPr>
-          <p:cNvPr id="28" name="Straight Connector 27"/>
-          <p:cNvCxnSpPr/>
-          <p:nvPr/>
-        </p:nvCxnSpPr>
-        <p:spPr>
-          <a:xfrm flipV="1">
-            <a:off x="4648200" y="2011740"/>
-            <a:ext cx="1447800" cy="685800"/>
-          </a:xfrm>
-          <a:prstGeom prst="line">
-            <a:avLst/>
-          </a:prstGeom>
-        </p:spPr>
-        <p:style>
-          <a:lnRef idx="3">
-            <a:schemeClr val="accent1"/>
-          </a:lnRef>
-          <a:fillRef idx="0">
-            <a:schemeClr val="accent1"/>
-          </a:fillRef>
-          <a:effectRef idx="2">
-            <a:schemeClr val="accent1"/>
-          </a:effectRef>
-          <a:fontRef idx="minor">
-            <a:schemeClr val="tx1"/>
-          </a:fontRef>
-        </p:style>
-      </p:cxnSp>
-      <p:cxnSp>
-        <p:nvCxnSpPr>
-          <p:cNvPr id="30" name="Straight Connector 29"/>
-          <p:cNvCxnSpPr/>
-          <p:nvPr/>
-        </p:nvCxnSpPr>
-        <p:spPr>
-          <a:xfrm>
-            <a:off x="4648200" y="3002340"/>
-            <a:ext cx="1447800" cy="0"/>
-          </a:xfrm>
-          <a:prstGeom prst="line">
-            <a:avLst/>
-          </a:prstGeom>
-        </p:spPr>
-        <p:style>
-          <a:lnRef idx="3">
-            <a:schemeClr val="accent1"/>
-          </a:lnRef>
-          <a:fillRef idx="0">
-            <a:schemeClr val="accent1"/>
-          </a:fillRef>
-          <a:effectRef idx="2">
-            <a:schemeClr val="accent1"/>
-          </a:effectRef>
-          <a:fontRef idx="minor">
-            <a:schemeClr val="tx1"/>
-          </a:fontRef>
-        </p:style>
-      </p:cxnSp>
-      <p:cxnSp>
-        <p:nvCxnSpPr>
-          <p:cNvPr id="32" name="Straight Connector 31"/>
-          <p:cNvCxnSpPr/>
-          <p:nvPr/>
-        </p:nvCxnSpPr>
-        <p:spPr>
-          <a:xfrm>
-            <a:off x="4648200" y="3230940"/>
-            <a:ext cx="1371600" cy="685800"/>
-          </a:xfrm>
-          <a:prstGeom prst="line">
-            <a:avLst/>
-          </a:prstGeom>
-        </p:spPr>
-        <p:style>
-          <a:lnRef idx="3">
-            <a:schemeClr val="accent1"/>
-          </a:lnRef>
-          <a:fillRef idx="0">
-            <a:schemeClr val="accent1"/>
-          </a:fillRef>
-          <a:effectRef idx="2">
-            <a:schemeClr val="accent1"/>
-          </a:effectRef>
-          <a:fontRef idx="minor">
-            <a:schemeClr val="tx1"/>
-          </a:fontRef>
-        </p:style>
-      </p:cxnSp>
     </p:spTree>
+    <p:extLst>
+      <p:ext uri="{BB962C8B-B14F-4D97-AF65-F5344CB8AC3E}">
+        <p14:creationId xmlns:p14="http://schemas.microsoft.com/office/powerpoint/2010/main" val="3776604935"/>
+      </p:ext>
+    </p:extLst>
   </p:cSld>
   <p:clrMapOvr>
     <a:masterClrMapping/>
@@ -3922,412 +3825,150 @@
       </p:grpSpPr>
       <p:sp>
         <p:nvSpPr>
-          <p:cNvPr id="4" name="TextBox 3"/>
-          <p:cNvSpPr txBox="1"/>
+          <p:cNvPr id="2" name="Title 1">
+            <a:extLst>
+              <a:ext uri="{FF2B5EF4-FFF2-40B4-BE49-F238E27FC236}">
+                <a16:creationId xmlns:a16="http://schemas.microsoft.com/office/drawing/2014/main" id="{26271E96-02A6-DD66-BBF2-DD38F7242386}"/>
+              </a:ext>
+            </a:extLst>
+          </p:cNvPr>
+          <p:cNvSpPr>
+            <a:spLocks noGrp="1"/>
+          </p:cNvSpPr>
+          <p:nvPr>
+            <p:ph type="title"/>
+          </p:nvPr>
+        </p:nvSpPr>
+        <p:spPr/>
+        <p:txBody>
+          <a:bodyPr/>
+          <a:lstStyle/>
+          <a:p>
+            <a:endParaRPr lang="en-US"/>
+          </a:p>
+        </p:txBody>
+      </p:sp>
+      <p:sp>
+        <p:nvSpPr>
+          <p:cNvPr id="3" name="Content Placeholder 2">
+            <a:extLst>
+              <a:ext uri="{FF2B5EF4-FFF2-40B4-BE49-F238E27FC236}">
+                <a16:creationId xmlns:a16="http://schemas.microsoft.com/office/drawing/2014/main" id="{C9F2CE82-C38B-58EC-F3FE-9B5837C630B5}"/>
+              </a:ext>
+            </a:extLst>
+          </p:cNvPr>
+          <p:cNvSpPr>
+            <a:spLocks noGrp="1"/>
+          </p:cNvSpPr>
+          <p:nvPr>
+            <p:ph idx="1"/>
+          </p:nvPr>
+        </p:nvSpPr>
+        <p:spPr/>
+        <p:txBody>
+          <a:bodyPr/>
+          <a:lstStyle/>
+          <a:p>
+            <a:endParaRPr lang="en-US"/>
+          </a:p>
+        </p:txBody>
+      </p:sp>
+      <p:grpSp>
+        <p:nvGrpSpPr>
+          <p:cNvPr id="4" name="Group 3">
+            <a:extLst>
+              <a:ext uri="{FF2B5EF4-FFF2-40B4-BE49-F238E27FC236}">
+                <a16:creationId xmlns:a16="http://schemas.microsoft.com/office/drawing/2014/main" id="{CBC1D2AF-F74E-D85C-AB2C-6134DEC71FB8}"/>
+              </a:ext>
+            </a:extLst>
+          </p:cNvPr>
+          <p:cNvGrpSpPr>
+            <a:grpSpLocks noChangeAspect="1"/>
+          </p:cNvGrpSpPr>
           <p:nvPr/>
-        </p:nvSpPr>
-        <p:spPr>
-          <a:xfrm>
-            <a:off x="76200" y="4754940"/>
-            <a:ext cx="3626912" cy="1569660"/>
-          </a:xfrm>
-          <a:prstGeom prst="rect">
-            <a:avLst/>
-          </a:prstGeom>
-          <a:noFill/>
-        </p:spPr>
-        <p:txBody>
-          <a:bodyPr wrap="square" rtlCol="0">
-            <a:spAutoFit/>
-          </a:bodyPr>
-          <a:lstStyle/>
-          <a:p>
-            <a:r>
-              <a:rPr lang="en-US" sz="3200" dirty="0" smtClean="0"/>
-              <a:t>Data </a:t>
-            </a:r>
-            <a:r>
-              <a:rPr lang="en-US" sz="3200" dirty="0" smtClean="0"/>
-              <a:t>from </a:t>
-            </a:r>
-            <a:r>
-              <a:rPr lang="en-US" sz="3200" dirty="0" smtClean="0"/>
-              <a:t>Different Studies, Even with Different Units</a:t>
-            </a:r>
-            <a:endParaRPr lang="en-US" sz="3200" dirty="0"/>
-          </a:p>
-        </p:txBody>
-      </p:sp>
-      <p:sp>
-        <p:nvSpPr>
-          <p:cNvPr id="6" name="TextBox 5"/>
-          <p:cNvSpPr txBox="1"/>
-          <p:nvPr/>
-        </p:nvSpPr>
-        <p:spPr>
-          <a:xfrm>
-            <a:off x="2667000" y="868740"/>
-            <a:ext cx="2293412" cy="1569660"/>
-          </a:xfrm>
-          <a:prstGeom prst="rect">
-            <a:avLst/>
-          </a:prstGeom>
-          <a:noFill/>
-        </p:spPr>
-        <p:txBody>
-          <a:bodyPr wrap="square" rtlCol="0">
-            <a:spAutoFit/>
-          </a:bodyPr>
-          <a:lstStyle/>
-          <a:p>
-            <a:r>
-              <a:rPr lang="en-US" sz="3200" dirty="0" smtClean="0"/>
-              <a:t>Software Combines and Displays</a:t>
-            </a:r>
-          </a:p>
-        </p:txBody>
-      </p:sp>
-      <p:sp>
-        <p:nvSpPr>
-          <p:cNvPr id="8" name="TextBox 7"/>
-          <p:cNvSpPr txBox="1"/>
-          <p:nvPr/>
-        </p:nvSpPr>
-        <p:spPr>
-          <a:xfrm>
-            <a:off x="6324600" y="4373940"/>
-            <a:ext cx="2895600" cy="1077218"/>
-          </a:xfrm>
-          <a:prstGeom prst="rect">
-            <a:avLst/>
-          </a:prstGeom>
-          <a:noFill/>
-        </p:spPr>
-        <p:txBody>
-          <a:bodyPr wrap="square" rtlCol="0">
-            <a:spAutoFit/>
-          </a:bodyPr>
-          <a:lstStyle/>
-          <a:p>
-            <a:r>
-              <a:rPr lang="en-US" sz="3200" dirty="0" smtClean="0"/>
-              <a:t>Compared by Researcher</a:t>
-            </a:r>
-            <a:endParaRPr lang="en-US" sz="3200" dirty="0"/>
-          </a:p>
-        </p:txBody>
-      </p:sp>
-      <p:pic>
-        <p:nvPicPr>
-          <p:cNvPr id="1029" name="Picture 5" descr="Human Eye Side View Illustrations, Royalty-Free Vector Graphics &amp; Clip ..."/>
-          <p:cNvPicPr>
-            <a:picLocks noChangeAspect="1" noChangeArrowheads="1"/>
-          </p:cNvPicPr>
-          <p:nvPr/>
-        </p:nvPicPr>
-        <p:blipFill>
-          <a:blip r:embed="rId2" cstate="print"/>
-          <a:srcRect/>
-          <a:stretch>
-            <a:fillRect/>
-          </a:stretch>
-        </p:blipFill>
-        <p:spPr bwMode="auto">
-          <a:xfrm>
-            <a:off x="6202888" y="1554540"/>
-            <a:ext cx="2864912" cy="2743200"/>
-          </a:xfrm>
-          <a:prstGeom prst="rect">
-            <a:avLst/>
-          </a:prstGeom>
-          <a:noFill/>
-        </p:spPr>
-      </p:pic>
-      <p:pic>
-        <p:nvPicPr>
-          <p:cNvPr id="1031" name="Picture 7" descr="Responsive design for web- computer"/>
-          <p:cNvPicPr>
-            <a:picLocks noChangeAspect="1" noChangeArrowheads="1"/>
-          </p:cNvPicPr>
-          <p:nvPr/>
-        </p:nvPicPr>
-        <p:blipFill>
-          <a:blip r:embed="rId3" cstate="print"/>
-          <a:srcRect b="12308"/>
-          <a:stretch>
-            <a:fillRect/>
-          </a:stretch>
-        </p:blipFill>
-        <p:spPr bwMode="auto">
-          <a:xfrm>
-            <a:off x="2847241" y="2468940"/>
-            <a:ext cx="1648559" cy="1085851"/>
-          </a:xfrm>
-          <a:prstGeom prst="rect">
-            <a:avLst/>
-          </a:prstGeom>
-          <a:noFill/>
-        </p:spPr>
-      </p:pic>
-      <p:pic>
-        <p:nvPicPr>
-          <p:cNvPr id="1032" name="Picture 8" descr="C:\Program Files (x86)\Microsoft Office\MEDIA\CAGCAT10\j0196400.wmf"/>
-          <p:cNvPicPr>
-            <a:picLocks noChangeAspect="1" noChangeArrowheads="1"/>
-          </p:cNvPicPr>
-          <p:nvPr/>
-        </p:nvPicPr>
-        <p:blipFill>
-          <a:blip r:embed="rId4" cstate="print"/>
-          <a:srcRect/>
-          <a:stretch>
-            <a:fillRect/>
-          </a:stretch>
-        </p:blipFill>
-        <p:spPr bwMode="auto">
-          <a:xfrm>
-            <a:off x="228600" y="1173540"/>
-            <a:ext cx="958665" cy="1025089"/>
-          </a:xfrm>
-          <a:prstGeom prst="rect">
-            <a:avLst/>
-          </a:prstGeom>
-          <a:noFill/>
-        </p:spPr>
-      </p:pic>
-      <p:pic>
-        <p:nvPicPr>
-          <p:cNvPr id="1034" name="Picture 10" descr="C:\Users\Yurik\AppData\Local\Microsoft\Windows\INetCache\IE\423IUIFB\paper-40205_960_720[1].png"/>
-          <p:cNvPicPr>
-            <a:picLocks noChangeAspect="1" noChangeArrowheads="1"/>
-          </p:cNvPicPr>
-          <p:nvPr/>
-        </p:nvPicPr>
-        <p:blipFill>
-          <a:blip r:embed="rId5" cstate="print"/>
-          <a:srcRect/>
-          <a:stretch>
-            <a:fillRect/>
-          </a:stretch>
-        </p:blipFill>
-        <p:spPr bwMode="auto">
-          <a:xfrm>
-            <a:off x="228600" y="2316540"/>
-            <a:ext cx="762000" cy="983226"/>
-          </a:xfrm>
-          <a:prstGeom prst="rect">
-            <a:avLst/>
-          </a:prstGeom>
-          <a:noFill/>
-        </p:spPr>
-      </p:pic>
-      <p:pic>
-        <p:nvPicPr>
-          <p:cNvPr id="1035" name="Picture 11" descr="C:\Users\Yurik\AppData\Local\Microsoft\Windows\INetCache\IE\XXU3U87C\paper-23700_640[1].png"/>
-          <p:cNvPicPr>
-            <a:picLocks noChangeAspect="1" noChangeArrowheads="1"/>
-          </p:cNvPicPr>
-          <p:nvPr/>
-        </p:nvPicPr>
-        <p:blipFill>
-          <a:blip r:embed="rId6" cstate="print"/>
-          <a:srcRect/>
-          <a:stretch>
-            <a:fillRect/>
-          </a:stretch>
-        </p:blipFill>
-        <p:spPr bwMode="auto">
-          <a:xfrm>
-            <a:off x="228600" y="3383340"/>
-            <a:ext cx="942296" cy="1220788"/>
-          </a:xfrm>
-          <a:prstGeom prst="rect">
-            <a:avLst/>
-          </a:prstGeom>
-          <a:noFill/>
-        </p:spPr>
-      </p:pic>
-      <p:cxnSp>
-        <p:nvCxnSpPr>
-          <p:cNvPr id="22" name="Straight Connector 21"/>
-          <p:cNvCxnSpPr/>
-          <p:nvPr/>
-        </p:nvCxnSpPr>
-        <p:spPr>
-          <a:xfrm>
-            <a:off x="1447800" y="1935540"/>
-            <a:ext cx="1295400" cy="762000"/>
-          </a:xfrm>
-          <a:prstGeom prst="line">
-            <a:avLst/>
-          </a:prstGeom>
-        </p:spPr>
-        <p:style>
-          <a:lnRef idx="3">
-            <a:schemeClr val="accent1"/>
-          </a:lnRef>
-          <a:fillRef idx="0">
-            <a:schemeClr val="accent1"/>
-          </a:fillRef>
-          <a:effectRef idx="2">
-            <a:schemeClr val="accent1"/>
-          </a:effectRef>
-          <a:fontRef idx="minor">
-            <a:schemeClr val="tx1"/>
-          </a:fontRef>
-        </p:style>
-      </p:cxnSp>
-      <p:cxnSp>
-        <p:nvCxnSpPr>
-          <p:cNvPr id="24" name="Straight Connector 23"/>
-          <p:cNvCxnSpPr/>
-          <p:nvPr/>
-        </p:nvCxnSpPr>
-        <p:spPr>
-          <a:xfrm>
-            <a:off x="1295400" y="2926140"/>
-            <a:ext cx="1371600" cy="0"/>
-          </a:xfrm>
-          <a:prstGeom prst="line">
-            <a:avLst/>
-          </a:prstGeom>
-        </p:spPr>
-        <p:style>
-          <a:lnRef idx="3">
-            <a:schemeClr val="accent1"/>
-          </a:lnRef>
-          <a:fillRef idx="0">
-            <a:schemeClr val="accent1"/>
-          </a:fillRef>
-          <a:effectRef idx="2">
-            <a:schemeClr val="accent1"/>
-          </a:effectRef>
-          <a:fontRef idx="minor">
-            <a:schemeClr val="tx1"/>
-          </a:fontRef>
-        </p:style>
-      </p:cxnSp>
-      <p:cxnSp>
-        <p:nvCxnSpPr>
-          <p:cNvPr id="26" name="Straight Connector 25"/>
-          <p:cNvCxnSpPr/>
-          <p:nvPr/>
-        </p:nvCxnSpPr>
-        <p:spPr>
-          <a:xfrm flipV="1">
-            <a:off x="1371600" y="3230940"/>
-            <a:ext cx="1295400" cy="685800"/>
-          </a:xfrm>
-          <a:prstGeom prst="line">
-            <a:avLst/>
-          </a:prstGeom>
-        </p:spPr>
-        <p:style>
-          <a:lnRef idx="3">
-            <a:schemeClr val="accent1"/>
-          </a:lnRef>
-          <a:fillRef idx="0">
-            <a:schemeClr val="accent1"/>
-          </a:fillRef>
-          <a:effectRef idx="2">
-            <a:schemeClr val="accent1"/>
-          </a:effectRef>
-          <a:fontRef idx="minor">
-            <a:schemeClr val="tx1"/>
-          </a:fontRef>
-        </p:style>
-      </p:cxnSp>
-      <p:cxnSp>
-        <p:nvCxnSpPr>
-          <p:cNvPr id="28" name="Straight Connector 27"/>
-          <p:cNvCxnSpPr/>
-          <p:nvPr/>
-        </p:nvCxnSpPr>
-        <p:spPr>
-          <a:xfrm flipV="1">
-            <a:off x="4648200" y="2011740"/>
-            <a:ext cx="1447800" cy="685800"/>
-          </a:xfrm>
-          <a:prstGeom prst="line">
-            <a:avLst/>
-          </a:prstGeom>
-        </p:spPr>
-        <p:style>
-          <a:lnRef idx="3">
-            <a:schemeClr val="accent1"/>
-          </a:lnRef>
-          <a:fillRef idx="0">
-            <a:schemeClr val="accent1"/>
-          </a:fillRef>
-          <a:effectRef idx="2">
-            <a:schemeClr val="accent1"/>
-          </a:effectRef>
-          <a:fontRef idx="minor">
-            <a:schemeClr val="tx1"/>
-          </a:fontRef>
-        </p:style>
-      </p:cxnSp>
-      <p:cxnSp>
-        <p:nvCxnSpPr>
-          <p:cNvPr id="30" name="Straight Connector 29"/>
-          <p:cNvCxnSpPr/>
-          <p:nvPr/>
-        </p:nvCxnSpPr>
-        <p:spPr>
-          <a:xfrm>
-            <a:off x="4648200" y="3002340"/>
-            <a:ext cx="1447800" cy="0"/>
-          </a:xfrm>
-          <a:prstGeom prst="line">
-            <a:avLst/>
-          </a:prstGeom>
-        </p:spPr>
-        <p:style>
-          <a:lnRef idx="3">
-            <a:schemeClr val="accent1"/>
-          </a:lnRef>
-          <a:fillRef idx="0">
-            <a:schemeClr val="accent1"/>
-          </a:fillRef>
-          <a:effectRef idx="2">
-            <a:schemeClr val="accent1"/>
-          </a:effectRef>
-          <a:fontRef idx="minor">
-            <a:schemeClr val="tx1"/>
-          </a:fontRef>
-        </p:style>
-      </p:cxnSp>
-      <p:cxnSp>
-        <p:nvCxnSpPr>
-          <p:cNvPr id="32" name="Straight Connector 31"/>
-          <p:cNvCxnSpPr/>
-          <p:nvPr/>
-        </p:nvCxnSpPr>
-        <p:spPr>
-          <a:xfrm>
-            <a:off x="4648200" y="3230940"/>
-            <a:ext cx="1371600" cy="685800"/>
-          </a:xfrm>
-          <a:prstGeom prst="line">
-            <a:avLst/>
-          </a:prstGeom>
-        </p:spPr>
-        <p:style>
-          <a:lnRef idx="3">
-            <a:schemeClr val="accent1"/>
-          </a:lnRef>
-          <a:fillRef idx="0">
-            <a:schemeClr val="accent1"/>
-          </a:fillRef>
-          <a:effectRef idx="2">
-            <a:schemeClr val="accent1"/>
-          </a:effectRef>
-          <a:fontRef idx="minor">
-            <a:schemeClr val="tx1"/>
-          </a:fontRef>
-        </p:style>
-      </p:cxnSp>
+        </p:nvGrpSpPr>
+        <p:grpSpPr>
+          <a:xfrm>
+            <a:off x="-533400" y="-536547"/>
+            <a:ext cx="10738663" cy="6199715"/>
+            <a:chOff x="1055903" y="3633232"/>
+            <a:chExt cx="3516097" cy="2029936"/>
+          </a:xfrm>
+        </p:grpSpPr>
+        <p:pic>
+          <p:nvPicPr>
+            <p:cNvPr id="5" name="Picture 4">
+              <a:extLst>
+                <a:ext uri="{FF2B5EF4-FFF2-40B4-BE49-F238E27FC236}">
+                  <a16:creationId xmlns:a16="http://schemas.microsoft.com/office/drawing/2014/main" id="{B0E8D096-EBE8-C134-CE1F-87F244CD6AB7}"/>
+                </a:ext>
+              </a:extLst>
+            </p:cNvPr>
+            <p:cNvPicPr>
+              <a:picLocks noChangeAspect="1"/>
+            </p:cNvPicPr>
+            <p:nvPr/>
+          </p:nvPicPr>
+          <p:blipFill>
+            <a:blip r:embed="rId2"/>
+            <a:stretch>
+              <a:fillRect/>
+            </a:stretch>
+          </p:blipFill>
+          <p:spPr>
+            <a:xfrm>
+              <a:off x="1055903" y="3633232"/>
+              <a:ext cx="3516097" cy="2029936"/>
+            </a:xfrm>
+            <a:prstGeom prst="rect">
+              <a:avLst/>
+            </a:prstGeom>
+          </p:spPr>
+        </p:pic>
+        <p:pic>
+          <p:nvPicPr>
+            <p:cNvPr id="6" name="Picture 5">
+              <a:extLst>
+                <a:ext uri="{FF2B5EF4-FFF2-40B4-BE49-F238E27FC236}">
+                  <a16:creationId xmlns:a16="http://schemas.microsoft.com/office/drawing/2014/main" id="{B8493014-A6F8-E721-6F32-D185FF11AD16}"/>
+                </a:ext>
+              </a:extLst>
+            </p:cNvPr>
+            <p:cNvPicPr>
+              <a:picLocks noChangeAspect="1"/>
+            </p:cNvPicPr>
+            <p:nvPr/>
+          </p:nvPicPr>
+          <p:blipFill>
+            <a:blip r:embed="rId3"/>
+            <a:stretch>
+              <a:fillRect/>
+            </a:stretch>
+          </p:blipFill>
+          <p:spPr>
+            <a:xfrm>
+              <a:off x="1989992" y="4114800"/>
+              <a:ext cx="897616" cy="533400"/>
+            </a:xfrm>
+            <a:prstGeom prst="rect">
+              <a:avLst/>
+            </a:prstGeom>
+            <a:ln w="19050">
+              <a:solidFill>
+                <a:schemeClr val="bg2">
+                  <a:lumMod val="75000"/>
+                </a:schemeClr>
+              </a:solidFill>
+            </a:ln>
+          </p:spPr>
+        </p:pic>
+      </p:grpSp>
     </p:spTree>
+    <p:extLst>
+      <p:ext uri="{BB962C8B-B14F-4D97-AF65-F5344CB8AC3E}">
+        <p14:creationId xmlns:p14="http://schemas.microsoft.com/office/powerpoint/2010/main" val="2846776506"/>
+      </p:ext>
+    </p:extLst>
   </p:cSld>
   <p:clrMapOvr>
     <a:masterClrMapping/>
@@ -4354,56 +3995,14 @@
       </p:grpSpPr>
       <p:sp>
         <p:nvSpPr>
-          <p:cNvPr id="2" name="Title 1"/>
-          <p:cNvSpPr>
-            <a:spLocks noGrp="1"/>
-          </p:cNvSpPr>
-          <p:nvPr>
-            <p:ph type="title"/>
-          </p:nvPr>
-        </p:nvSpPr>
-        <p:spPr/>
-        <p:txBody>
-          <a:bodyPr/>
-          <a:lstStyle/>
-          <a:p>
-            <a:r>
-              <a:rPr lang="en-US" dirty="0" smtClean="0"/>
-              <a:t>Image sources</a:t>
-            </a:r>
-            <a:endParaRPr lang="en-US" dirty="0"/>
-          </a:p>
-        </p:txBody>
-      </p:sp>
-      <p:sp>
-        <p:nvSpPr>
-          <p:cNvPr id="3" name="Content Placeholder 2"/>
-          <p:cNvSpPr>
-            <a:spLocks noGrp="1"/>
-          </p:cNvSpPr>
-          <p:nvPr>
-            <p:ph idx="1"/>
-          </p:nvPr>
-        </p:nvSpPr>
-        <p:spPr/>
-        <p:txBody>
-          <a:bodyPr/>
-          <a:lstStyle/>
-          <a:p>
-            <a:endParaRPr lang="en-US" dirty="0"/>
-          </a:p>
-        </p:txBody>
-      </p:sp>
-      <p:sp>
-        <p:nvSpPr>
           <p:cNvPr id="4" name="TextBox 3"/>
           <p:cNvSpPr txBox="1"/>
           <p:nvPr/>
         </p:nvSpPr>
         <p:spPr>
           <a:xfrm>
-            <a:off x="6172200" y="1219200"/>
-            <a:ext cx="2667000" cy="4247317"/>
+            <a:off x="76200" y="4754940"/>
+            <a:ext cx="3626912" cy="1569660"/>
           </a:xfrm>
           <a:prstGeom prst="rect">
             <a:avLst/>
@@ -4417,31 +4016,916 @@
           <a:lstStyle/>
           <a:p>
             <a:r>
-              <a:rPr lang="en-US" dirty="0" smtClean="0"/>
+              <a:rPr lang="en-US" sz="3200" dirty="0"/>
+              <a:t>Data from Different Studies, Even with Different Units</a:t>
+            </a:r>
+          </a:p>
+        </p:txBody>
+      </p:sp>
+      <p:sp>
+        <p:nvSpPr>
+          <p:cNvPr id="6" name="TextBox 5"/>
+          <p:cNvSpPr txBox="1"/>
+          <p:nvPr/>
+        </p:nvSpPr>
+        <p:spPr>
+          <a:xfrm>
+            <a:off x="2133600" y="1219200"/>
+            <a:ext cx="3581400" cy="1077218"/>
+          </a:xfrm>
+          <a:prstGeom prst="rect">
+            <a:avLst/>
+          </a:prstGeom>
+          <a:noFill/>
+        </p:spPr>
+        <p:txBody>
+          <a:bodyPr wrap="square" rtlCol="0">
+            <a:spAutoFit/>
+          </a:bodyPr>
+          <a:lstStyle/>
+          <a:p>
+            <a:r>
+              <a:rPr lang="en-US" sz="3200" dirty="0"/>
+              <a:t>Software Combines and Displays</a:t>
+            </a:r>
+          </a:p>
+        </p:txBody>
+      </p:sp>
+      <p:sp>
+        <p:nvSpPr>
+          <p:cNvPr id="8" name="TextBox 7"/>
+          <p:cNvSpPr txBox="1"/>
+          <p:nvPr/>
+        </p:nvSpPr>
+        <p:spPr>
+          <a:xfrm>
+            <a:off x="6324600" y="4373940"/>
+            <a:ext cx="2895600" cy="1077218"/>
+          </a:xfrm>
+          <a:prstGeom prst="rect">
+            <a:avLst/>
+          </a:prstGeom>
+          <a:noFill/>
+        </p:spPr>
+        <p:txBody>
+          <a:bodyPr wrap="square" rtlCol="0">
+            <a:spAutoFit/>
+          </a:bodyPr>
+          <a:lstStyle/>
+          <a:p>
+            <a:r>
+              <a:rPr lang="en-US" sz="3200" dirty="0"/>
+              <a:t>Compared by Researcher</a:t>
+            </a:r>
+          </a:p>
+        </p:txBody>
+      </p:sp>
+      <p:pic>
+        <p:nvPicPr>
+          <p:cNvPr id="1029" name="Picture 5" descr="Human Eye Side View Illustrations, Royalty-Free Vector Graphics &amp; Clip ..."/>
+          <p:cNvPicPr>
+            <a:picLocks noChangeAspect="1" noChangeArrowheads="1"/>
+          </p:cNvPicPr>
+          <p:nvPr/>
+        </p:nvPicPr>
+        <p:blipFill>
+          <a:blip r:embed="rId2" cstate="print"/>
+          <a:srcRect/>
+          <a:stretch>
+            <a:fillRect/>
+          </a:stretch>
+        </p:blipFill>
+        <p:spPr bwMode="auto">
+          <a:xfrm>
+            <a:off x="6202888" y="1554540"/>
+            <a:ext cx="2864912" cy="2743200"/>
+          </a:xfrm>
+          <a:prstGeom prst="rect">
+            <a:avLst/>
+          </a:prstGeom>
+          <a:noFill/>
+        </p:spPr>
+      </p:pic>
+      <p:pic>
+        <p:nvPicPr>
+          <p:cNvPr id="1031" name="Picture 7" descr="Responsive design for web- computer"/>
+          <p:cNvPicPr>
+            <a:picLocks noChangeAspect="1" noChangeArrowheads="1"/>
+          </p:cNvPicPr>
+          <p:nvPr/>
+        </p:nvPicPr>
+        <p:blipFill>
+          <a:blip r:embed="rId3" cstate="print"/>
+          <a:srcRect b="12308"/>
+          <a:stretch>
+            <a:fillRect/>
+          </a:stretch>
+        </p:blipFill>
+        <p:spPr bwMode="auto">
+          <a:xfrm>
+            <a:off x="2847241" y="2468940"/>
+            <a:ext cx="1648559" cy="1085851"/>
+          </a:xfrm>
+          <a:prstGeom prst="rect">
+            <a:avLst/>
+          </a:prstGeom>
+          <a:noFill/>
+        </p:spPr>
+      </p:pic>
+      <p:pic>
+        <p:nvPicPr>
+          <p:cNvPr id="1032" name="Picture 8" descr="C:\Program Files (x86)\Microsoft Office\MEDIA\CAGCAT10\j0196400.wmf"/>
+          <p:cNvPicPr>
+            <a:picLocks noChangeAspect="1" noChangeArrowheads="1"/>
+          </p:cNvPicPr>
+          <p:nvPr/>
+        </p:nvPicPr>
+        <p:blipFill>
+          <a:blip r:embed="rId4" cstate="print"/>
+          <a:srcRect/>
+          <a:stretch>
+            <a:fillRect/>
+          </a:stretch>
+        </p:blipFill>
+        <p:spPr bwMode="auto">
+          <a:xfrm>
+            <a:off x="228600" y="1173540"/>
+            <a:ext cx="958665" cy="1025089"/>
+          </a:xfrm>
+          <a:prstGeom prst="rect">
+            <a:avLst/>
+          </a:prstGeom>
+          <a:noFill/>
+        </p:spPr>
+      </p:pic>
+      <p:pic>
+        <p:nvPicPr>
+          <p:cNvPr id="1034" name="Picture 10" descr="C:\Users\Yurik\AppData\Local\Microsoft\Windows\INetCache\IE\423IUIFB\paper-40205_960_720[1].png"/>
+          <p:cNvPicPr>
+            <a:picLocks noChangeAspect="1" noChangeArrowheads="1"/>
+          </p:cNvPicPr>
+          <p:nvPr/>
+        </p:nvPicPr>
+        <p:blipFill>
+          <a:blip r:embed="rId5" cstate="print"/>
+          <a:srcRect/>
+          <a:stretch>
+            <a:fillRect/>
+          </a:stretch>
+        </p:blipFill>
+        <p:spPr bwMode="auto">
+          <a:xfrm>
+            <a:off x="228600" y="2316540"/>
+            <a:ext cx="762000" cy="983226"/>
+          </a:xfrm>
+          <a:prstGeom prst="rect">
+            <a:avLst/>
+          </a:prstGeom>
+          <a:noFill/>
+        </p:spPr>
+      </p:pic>
+      <p:pic>
+        <p:nvPicPr>
+          <p:cNvPr id="1035" name="Picture 11" descr="C:\Users\Yurik\AppData\Local\Microsoft\Windows\INetCache\IE\XXU3U87C\paper-23700_640[1].png"/>
+          <p:cNvPicPr>
+            <a:picLocks noChangeAspect="1" noChangeArrowheads="1"/>
+          </p:cNvPicPr>
+          <p:nvPr/>
+        </p:nvPicPr>
+        <p:blipFill>
+          <a:blip r:embed="rId6" cstate="print"/>
+          <a:srcRect/>
+          <a:stretch>
+            <a:fillRect/>
+          </a:stretch>
+        </p:blipFill>
+        <p:spPr bwMode="auto">
+          <a:xfrm>
+            <a:off x="228600" y="3383340"/>
+            <a:ext cx="942296" cy="1220788"/>
+          </a:xfrm>
+          <a:prstGeom prst="rect">
+            <a:avLst/>
+          </a:prstGeom>
+          <a:noFill/>
+        </p:spPr>
+      </p:pic>
+      <p:cxnSp>
+        <p:nvCxnSpPr>
+          <p:cNvPr id="22" name="Straight Connector 21"/>
+          <p:cNvCxnSpPr/>
+          <p:nvPr/>
+        </p:nvCxnSpPr>
+        <p:spPr>
+          <a:xfrm>
+            <a:off x="1447800" y="1935540"/>
+            <a:ext cx="1295400" cy="762000"/>
+          </a:xfrm>
+          <a:prstGeom prst="line">
+            <a:avLst/>
+          </a:prstGeom>
+        </p:spPr>
+        <p:style>
+          <a:lnRef idx="3">
+            <a:schemeClr val="accent1"/>
+          </a:lnRef>
+          <a:fillRef idx="0">
+            <a:schemeClr val="accent1"/>
+          </a:fillRef>
+          <a:effectRef idx="2">
+            <a:schemeClr val="accent1"/>
+          </a:effectRef>
+          <a:fontRef idx="minor">
+            <a:schemeClr val="tx1"/>
+          </a:fontRef>
+        </p:style>
+      </p:cxnSp>
+      <p:cxnSp>
+        <p:nvCxnSpPr>
+          <p:cNvPr id="24" name="Straight Connector 23"/>
+          <p:cNvCxnSpPr/>
+          <p:nvPr/>
+        </p:nvCxnSpPr>
+        <p:spPr>
+          <a:xfrm>
+            <a:off x="1295400" y="2926140"/>
+            <a:ext cx="1371600" cy="0"/>
+          </a:xfrm>
+          <a:prstGeom prst="line">
+            <a:avLst/>
+          </a:prstGeom>
+        </p:spPr>
+        <p:style>
+          <a:lnRef idx="3">
+            <a:schemeClr val="accent1"/>
+          </a:lnRef>
+          <a:fillRef idx="0">
+            <a:schemeClr val="accent1"/>
+          </a:fillRef>
+          <a:effectRef idx="2">
+            <a:schemeClr val="accent1"/>
+          </a:effectRef>
+          <a:fontRef idx="minor">
+            <a:schemeClr val="tx1"/>
+          </a:fontRef>
+        </p:style>
+      </p:cxnSp>
+      <p:cxnSp>
+        <p:nvCxnSpPr>
+          <p:cNvPr id="26" name="Straight Connector 25"/>
+          <p:cNvCxnSpPr/>
+          <p:nvPr/>
+        </p:nvCxnSpPr>
+        <p:spPr>
+          <a:xfrm flipV="1">
+            <a:off x="1371600" y="3230940"/>
+            <a:ext cx="1295400" cy="685800"/>
+          </a:xfrm>
+          <a:prstGeom prst="line">
+            <a:avLst/>
+          </a:prstGeom>
+        </p:spPr>
+        <p:style>
+          <a:lnRef idx="3">
+            <a:schemeClr val="accent1"/>
+          </a:lnRef>
+          <a:fillRef idx="0">
+            <a:schemeClr val="accent1"/>
+          </a:fillRef>
+          <a:effectRef idx="2">
+            <a:schemeClr val="accent1"/>
+          </a:effectRef>
+          <a:fontRef idx="minor">
+            <a:schemeClr val="tx1"/>
+          </a:fontRef>
+        </p:style>
+      </p:cxnSp>
+      <p:cxnSp>
+        <p:nvCxnSpPr>
+          <p:cNvPr id="28" name="Straight Connector 27"/>
+          <p:cNvCxnSpPr/>
+          <p:nvPr/>
+        </p:nvCxnSpPr>
+        <p:spPr>
+          <a:xfrm flipV="1">
+            <a:off x="4648200" y="2011740"/>
+            <a:ext cx="1447800" cy="685800"/>
+          </a:xfrm>
+          <a:prstGeom prst="line">
+            <a:avLst/>
+          </a:prstGeom>
+        </p:spPr>
+        <p:style>
+          <a:lnRef idx="3">
+            <a:schemeClr val="accent1"/>
+          </a:lnRef>
+          <a:fillRef idx="0">
+            <a:schemeClr val="accent1"/>
+          </a:fillRef>
+          <a:effectRef idx="2">
+            <a:schemeClr val="accent1"/>
+          </a:effectRef>
+          <a:fontRef idx="minor">
+            <a:schemeClr val="tx1"/>
+          </a:fontRef>
+        </p:style>
+      </p:cxnSp>
+      <p:cxnSp>
+        <p:nvCxnSpPr>
+          <p:cNvPr id="30" name="Straight Connector 29"/>
+          <p:cNvCxnSpPr/>
+          <p:nvPr/>
+        </p:nvCxnSpPr>
+        <p:spPr>
+          <a:xfrm>
+            <a:off x="4648200" y="3002340"/>
+            <a:ext cx="1447800" cy="0"/>
+          </a:xfrm>
+          <a:prstGeom prst="line">
+            <a:avLst/>
+          </a:prstGeom>
+        </p:spPr>
+        <p:style>
+          <a:lnRef idx="3">
+            <a:schemeClr val="accent1"/>
+          </a:lnRef>
+          <a:fillRef idx="0">
+            <a:schemeClr val="accent1"/>
+          </a:fillRef>
+          <a:effectRef idx="2">
+            <a:schemeClr val="accent1"/>
+          </a:effectRef>
+          <a:fontRef idx="minor">
+            <a:schemeClr val="tx1"/>
+          </a:fontRef>
+        </p:style>
+      </p:cxnSp>
+      <p:cxnSp>
+        <p:nvCxnSpPr>
+          <p:cNvPr id="32" name="Straight Connector 31"/>
+          <p:cNvCxnSpPr/>
+          <p:nvPr/>
+        </p:nvCxnSpPr>
+        <p:spPr>
+          <a:xfrm>
+            <a:off x="4648200" y="3230940"/>
+            <a:ext cx="1371600" cy="685800"/>
+          </a:xfrm>
+          <a:prstGeom prst="line">
+            <a:avLst/>
+          </a:prstGeom>
+        </p:spPr>
+        <p:style>
+          <a:lnRef idx="3">
+            <a:schemeClr val="accent1"/>
+          </a:lnRef>
+          <a:fillRef idx="0">
+            <a:schemeClr val="accent1"/>
+          </a:fillRef>
+          <a:effectRef idx="2">
+            <a:schemeClr val="accent1"/>
+          </a:effectRef>
+          <a:fontRef idx="minor">
+            <a:schemeClr val="tx1"/>
+          </a:fontRef>
+        </p:style>
+      </p:cxnSp>
+    </p:spTree>
+  </p:cSld>
+  <p:clrMapOvr>
+    <a:masterClrMapping/>
+  </p:clrMapOvr>
+</p:sld>
+</file>
+
+<file path=ppt/slides/slide5.xml><?xml version="1.0" encoding="utf-8"?>
+<p:sld xmlns:a="http://schemas.openxmlformats.org/drawingml/2006/main" xmlns:r="http://schemas.openxmlformats.org/officeDocument/2006/relationships" xmlns:p="http://schemas.openxmlformats.org/presentationml/2006/main">
+  <p:cSld>
+    <p:spTree>
+      <p:nvGrpSpPr>
+        <p:cNvPr id="1" name=""/>
+        <p:cNvGrpSpPr/>
+        <p:nvPr/>
+      </p:nvGrpSpPr>
+      <p:grpSpPr>
+        <a:xfrm>
+          <a:off x="0" y="0"/>
+          <a:ext cx="0" cy="0"/>
+          <a:chOff x="0" y="0"/>
+          <a:chExt cx="0" cy="0"/>
+        </a:xfrm>
+      </p:grpSpPr>
+      <p:sp>
+        <p:nvSpPr>
+          <p:cNvPr id="4" name="TextBox 3"/>
+          <p:cNvSpPr txBox="1"/>
+          <p:nvPr/>
+        </p:nvSpPr>
+        <p:spPr>
+          <a:xfrm>
+            <a:off x="76200" y="4754940"/>
+            <a:ext cx="3626912" cy="1569660"/>
+          </a:xfrm>
+          <a:prstGeom prst="rect">
+            <a:avLst/>
+          </a:prstGeom>
+          <a:noFill/>
+        </p:spPr>
+        <p:txBody>
+          <a:bodyPr wrap="square" rtlCol="0">
+            <a:spAutoFit/>
+          </a:bodyPr>
+          <a:lstStyle/>
+          <a:p>
+            <a:r>
+              <a:rPr lang="en-US" sz="3200" dirty="0"/>
+              <a:t>Data from Different Studies, Even with Different Units</a:t>
+            </a:r>
+          </a:p>
+        </p:txBody>
+      </p:sp>
+      <p:sp>
+        <p:nvSpPr>
+          <p:cNvPr id="6" name="TextBox 5"/>
+          <p:cNvSpPr txBox="1"/>
+          <p:nvPr/>
+        </p:nvSpPr>
+        <p:spPr>
+          <a:xfrm>
+            <a:off x="2667000" y="868740"/>
+            <a:ext cx="2293412" cy="1569660"/>
+          </a:xfrm>
+          <a:prstGeom prst="rect">
+            <a:avLst/>
+          </a:prstGeom>
+          <a:noFill/>
+        </p:spPr>
+        <p:txBody>
+          <a:bodyPr wrap="square" rtlCol="0">
+            <a:spAutoFit/>
+          </a:bodyPr>
+          <a:lstStyle/>
+          <a:p>
+            <a:r>
+              <a:rPr lang="en-US" sz="3200" dirty="0"/>
+              <a:t>Software Combines and Displays</a:t>
+            </a:r>
+          </a:p>
+        </p:txBody>
+      </p:sp>
+      <p:sp>
+        <p:nvSpPr>
+          <p:cNvPr id="8" name="TextBox 7"/>
+          <p:cNvSpPr txBox="1"/>
+          <p:nvPr/>
+        </p:nvSpPr>
+        <p:spPr>
+          <a:xfrm>
+            <a:off x="6324600" y="4373940"/>
+            <a:ext cx="2895600" cy="1077218"/>
+          </a:xfrm>
+          <a:prstGeom prst="rect">
+            <a:avLst/>
+          </a:prstGeom>
+          <a:noFill/>
+        </p:spPr>
+        <p:txBody>
+          <a:bodyPr wrap="square" rtlCol="0">
+            <a:spAutoFit/>
+          </a:bodyPr>
+          <a:lstStyle/>
+          <a:p>
+            <a:r>
+              <a:rPr lang="en-US" sz="3200" dirty="0"/>
+              <a:t>Compared by Researcher</a:t>
+            </a:r>
+          </a:p>
+        </p:txBody>
+      </p:sp>
+      <p:pic>
+        <p:nvPicPr>
+          <p:cNvPr id="1029" name="Picture 5" descr="Human Eye Side View Illustrations, Royalty-Free Vector Graphics &amp; Clip ..."/>
+          <p:cNvPicPr>
+            <a:picLocks noChangeAspect="1" noChangeArrowheads="1"/>
+          </p:cNvPicPr>
+          <p:nvPr/>
+        </p:nvPicPr>
+        <p:blipFill>
+          <a:blip r:embed="rId2" cstate="print"/>
+          <a:srcRect/>
+          <a:stretch>
+            <a:fillRect/>
+          </a:stretch>
+        </p:blipFill>
+        <p:spPr bwMode="auto">
+          <a:xfrm>
+            <a:off x="6202888" y="1554540"/>
+            <a:ext cx="2864912" cy="2743200"/>
+          </a:xfrm>
+          <a:prstGeom prst="rect">
+            <a:avLst/>
+          </a:prstGeom>
+          <a:noFill/>
+        </p:spPr>
+      </p:pic>
+      <p:pic>
+        <p:nvPicPr>
+          <p:cNvPr id="1031" name="Picture 7" descr="Responsive design for web- computer"/>
+          <p:cNvPicPr>
+            <a:picLocks noChangeAspect="1" noChangeArrowheads="1"/>
+          </p:cNvPicPr>
+          <p:nvPr/>
+        </p:nvPicPr>
+        <p:blipFill>
+          <a:blip r:embed="rId3" cstate="print"/>
+          <a:srcRect b="12308"/>
+          <a:stretch>
+            <a:fillRect/>
+          </a:stretch>
+        </p:blipFill>
+        <p:spPr bwMode="auto">
+          <a:xfrm>
+            <a:off x="2847241" y="2468940"/>
+            <a:ext cx="1648559" cy="1085851"/>
+          </a:xfrm>
+          <a:prstGeom prst="rect">
+            <a:avLst/>
+          </a:prstGeom>
+          <a:noFill/>
+        </p:spPr>
+      </p:pic>
+      <p:pic>
+        <p:nvPicPr>
+          <p:cNvPr id="1032" name="Picture 8" descr="C:\Program Files (x86)\Microsoft Office\MEDIA\CAGCAT10\j0196400.wmf"/>
+          <p:cNvPicPr>
+            <a:picLocks noChangeAspect="1" noChangeArrowheads="1"/>
+          </p:cNvPicPr>
+          <p:nvPr/>
+        </p:nvPicPr>
+        <p:blipFill>
+          <a:blip r:embed="rId4" cstate="print"/>
+          <a:srcRect/>
+          <a:stretch>
+            <a:fillRect/>
+          </a:stretch>
+        </p:blipFill>
+        <p:spPr bwMode="auto">
+          <a:xfrm>
+            <a:off x="228600" y="1173540"/>
+            <a:ext cx="958665" cy="1025089"/>
+          </a:xfrm>
+          <a:prstGeom prst="rect">
+            <a:avLst/>
+          </a:prstGeom>
+          <a:noFill/>
+        </p:spPr>
+      </p:pic>
+      <p:pic>
+        <p:nvPicPr>
+          <p:cNvPr id="1034" name="Picture 10" descr="C:\Users\Yurik\AppData\Local\Microsoft\Windows\INetCache\IE\423IUIFB\paper-40205_960_720[1].png"/>
+          <p:cNvPicPr>
+            <a:picLocks noChangeAspect="1" noChangeArrowheads="1"/>
+          </p:cNvPicPr>
+          <p:nvPr/>
+        </p:nvPicPr>
+        <p:blipFill>
+          <a:blip r:embed="rId5" cstate="print"/>
+          <a:srcRect/>
+          <a:stretch>
+            <a:fillRect/>
+          </a:stretch>
+        </p:blipFill>
+        <p:spPr bwMode="auto">
+          <a:xfrm>
+            <a:off x="228600" y="2316540"/>
+            <a:ext cx="762000" cy="983226"/>
+          </a:xfrm>
+          <a:prstGeom prst="rect">
+            <a:avLst/>
+          </a:prstGeom>
+          <a:noFill/>
+        </p:spPr>
+      </p:pic>
+      <p:pic>
+        <p:nvPicPr>
+          <p:cNvPr id="1035" name="Picture 11" descr="C:\Users\Yurik\AppData\Local\Microsoft\Windows\INetCache\IE\XXU3U87C\paper-23700_640[1].png"/>
+          <p:cNvPicPr>
+            <a:picLocks noChangeAspect="1" noChangeArrowheads="1"/>
+          </p:cNvPicPr>
+          <p:nvPr/>
+        </p:nvPicPr>
+        <p:blipFill>
+          <a:blip r:embed="rId6" cstate="print"/>
+          <a:srcRect/>
+          <a:stretch>
+            <a:fillRect/>
+          </a:stretch>
+        </p:blipFill>
+        <p:spPr bwMode="auto">
+          <a:xfrm>
+            <a:off x="228600" y="3383340"/>
+            <a:ext cx="942296" cy="1220788"/>
+          </a:xfrm>
+          <a:prstGeom prst="rect">
+            <a:avLst/>
+          </a:prstGeom>
+          <a:noFill/>
+        </p:spPr>
+      </p:pic>
+      <p:cxnSp>
+        <p:nvCxnSpPr>
+          <p:cNvPr id="22" name="Straight Connector 21"/>
+          <p:cNvCxnSpPr/>
+          <p:nvPr/>
+        </p:nvCxnSpPr>
+        <p:spPr>
+          <a:xfrm>
+            <a:off x="1447800" y="1935540"/>
+            <a:ext cx="1295400" cy="762000"/>
+          </a:xfrm>
+          <a:prstGeom prst="line">
+            <a:avLst/>
+          </a:prstGeom>
+        </p:spPr>
+        <p:style>
+          <a:lnRef idx="3">
+            <a:schemeClr val="accent1"/>
+          </a:lnRef>
+          <a:fillRef idx="0">
+            <a:schemeClr val="accent1"/>
+          </a:fillRef>
+          <a:effectRef idx="2">
+            <a:schemeClr val="accent1"/>
+          </a:effectRef>
+          <a:fontRef idx="minor">
+            <a:schemeClr val="tx1"/>
+          </a:fontRef>
+        </p:style>
+      </p:cxnSp>
+      <p:cxnSp>
+        <p:nvCxnSpPr>
+          <p:cNvPr id="24" name="Straight Connector 23"/>
+          <p:cNvCxnSpPr/>
+          <p:nvPr/>
+        </p:nvCxnSpPr>
+        <p:spPr>
+          <a:xfrm>
+            <a:off x="1295400" y="2926140"/>
+            <a:ext cx="1371600" cy="0"/>
+          </a:xfrm>
+          <a:prstGeom prst="line">
+            <a:avLst/>
+          </a:prstGeom>
+        </p:spPr>
+        <p:style>
+          <a:lnRef idx="3">
+            <a:schemeClr val="accent1"/>
+          </a:lnRef>
+          <a:fillRef idx="0">
+            <a:schemeClr val="accent1"/>
+          </a:fillRef>
+          <a:effectRef idx="2">
+            <a:schemeClr val="accent1"/>
+          </a:effectRef>
+          <a:fontRef idx="minor">
+            <a:schemeClr val="tx1"/>
+          </a:fontRef>
+        </p:style>
+      </p:cxnSp>
+      <p:cxnSp>
+        <p:nvCxnSpPr>
+          <p:cNvPr id="26" name="Straight Connector 25"/>
+          <p:cNvCxnSpPr/>
+          <p:nvPr/>
+        </p:nvCxnSpPr>
+        <p:spPr>
+          <a:xfrm flipV="1">
+            <a:off x="1371600" y="3230940"/>
+            <a:ext cx="1295400" cy="685800"/>
+          </a:xfrm>
+          <a:prstGeom prst="line">
+            <a:avLst/>
+          </a:prstGeom>
+        </p:spPr>
+        <p:style>
+          <a:lnRef idx="3">
+            <a:schemeClr val="accent1"/>
+          </a:lnRef>
+          <a:fillRef idx="0">
+            <a:schemeClr val="accent1"/>
+          </a:fillRef>
+          <a:effectRef idx="2">
+            <a:schemeClr val="accent1"/>
+          </a:effectRef>
+          <a:fontRef idx="minor">
+            <a:schemeClr val="tx1"/>
+          </a:fontRef>
+        </p:style>
+      </p:cxnSp>
+      <p:cxnSp>
+        <p:nvCxnSpPr>
+          <p:cNvPr id="28" name="Straight Connector 27"/>
+          <p:cNvCxnSpPr/>
+          <p:nvPr/>
+        </p:nvCxnSpPr>
+        <p:spPr>
+          <a:xfrm flipV="1">
+            <a:off x="4648200" y="2011740"/>
+            <a:ext cx="1447800" cy="685800"/>
+          </a:xfrm>
+          <a:prstGeom prst="line">
+            <a:avLst/>
+          </a:prstGeom>
+        </p:spPr>
+        <p:style>
+          <a:lnRef idx="3">
+            <a:schemeClr val="accent1"/>
+          </a:lnRef>
+          <a:fillRef idx="0">
+            <a:schemeClr val="accent1"/>
+          </a:fillRef>
+          <a:effectRef idx="2">
+            <a:schemeClr val="accent1"/>
+          </a:effectRef>
+          <a:fontRef idx="minor">
+            <a:schemeClr val="tx1"/>
+          </a:fontRef>
+        </p:style>
+      </p:cxnSp>
+      <p:cxnSp>
+        <p:nvCxnSpPr>
+          <p:cNvPr id="30" name="Straight Connector 29"/>
+          <p:cNvCxnSpPr/>
+          <p:nvPr/>
+        </p:nvCxnSpPr>
+        <p:spPr>
+          <a:xfrm>
+            <a:off x="4648200" y="3002340"/>
+            <a:ext cx="1447800" cy="0"/>
+          </a:xfrm>
+          <a:prstGeom prst="line">
+            <a:avLst/>
+          </a:prstGeom>
+        </p:spPr>
+        <p:style>
+          <a:lnRef idx="3">
+            <a:schemeClr val="accent1"/>
+          </a:lnRef>
+          <a:fillRef idx="0">
+            <a:schemeClr val="accent1"/>
+          </a:fillRef>
+          <a:effectRef idx="2">
+            <a:schemeClr val="accent1"/>
+          </a:effectRef>
+          <a:fontRef idx="minor">
+            <a:schemeClr val="tx1"/>
+          </a:fontRef>
+        </p:style>
+      </p:cxnSp>
+      <p:cxnSp>
+        <p:nvCxnSpPr>
+          <p:cNvPr id="32" name="Straight Connector 31"/>
+          <p:cNvCxnSpPr/>
+          <p:nvPr/>
+        </p:nvCxnSpPr>
+        <p:spPr>
+          <a:xfrm>
+            <a:off x="4648200" y="3230940"/>
+            <a:ext cx="1371600" cy="685800"/>
+          </a:xfrm>
+          <a:prstGeom prst="line">
+            <a:avLst/>
+          </a:prstGeom>
+        </p:spPr>
+        <p:style>
+          <a:lnRef idx="3">
+            <a:schemeClr val="accent1"/>
+          </a:lnRef>
+          <a:fillRef idx="0">
+            <a:schemeClr val="accent1"/>
+          </a:fillRef>
+          <a:effectRef idx="2">
+            <a:schemeClr val="accent1"/>
+          </a:effectRef>
+          <a:fontRef idx="minor">
+            <a:schemeClr val="tx1"/>
+          </a:fontRef>
+        </p:style>
+      </p:cxnSp>
+    </p:spTree>
+  </p:cSld>
+  <p:clrMapOvr>
+    <a:masterClrMapping/>
+  </p:clrMapOvr>
+</p:sld>
+</file>
+
+<file path=ppt/slides/slide6.xml><?xml version="1.0" encoding="utf-8"?>
+<p:sld xmlns:a="http://schemas.openxmlformats.org/drawingml/2006/main" xmlns:r="http://schemas.openxmlformats.org/officeDocument/2006/relationships" xmlns:p="http://schemas.openxmlformats.org/presentationml/2006/main">
+  <p:cSld>
+    <p:spTree>
+      <p:nvGrpSpPr>
+        <p:cNvPr id="1" name=""/>
+        <p:cNvGrpSpPr/>
+        <p:nvPr/>
+      </p:nvGrpSpPr>
+      <p:grpSpPr>
+        <a:xfrm>
+          <a:off x="0" y="0"/>
+          <a:ext cx="0" cy="0"/>
+          <a:chOff x="0" y="0"/>
+          <a:chExt cx="0" cy="0"/>
+        </a:xfrm>
+      </p:grpSpPr>
+      <p:sp>
+        <p:nvSpPr>
+          <p:cNvPr id="2" name="Title 1"/>
+          <p:cNvSpPr>
+            <a:spLocks noGrp="1"/>
+          </p:cNvSpPr>
+          <p:nvPr>
+            <p:ph type="title"/>
+          </p:nvPr>
+        </p:nvSpPr>
+        <p:spPr/>
+        <p:txBody>
+          <a:bodyPr/>
+          <a:lstStyle/>
+          <a:p>
+            <a:r>
+              <a:rPr lang="en-US" dirty="0"/>
+              <a:t>Image sources</a:t>
+            </a:r>
+          </a:p>
+        </p:txBody>
+      </p:sp>
+      <p:sp>
+        <p:nvSpPr>
+          <p:cNvPr id="3" name="Content Placeholder 2"/>
+          <p:cNvSpPr>
+            <a:spLocks noGrp="1"/>
+          </p:cNvSpPr>
+          <p:nvPr>
+            <p:ph idx="1"/>
+          </p:nvPr>
+        </p:nvSpPr>
+        <p:spPr/>
+        <p:txBody>
+          <a:bodyPr/>
+          <a:lstStyle/>
+          <a:p>
+            <a:endParaRPr lang="en-US" dirty="0"/>
+          </a:p>
+        </p:txBody>
+      </p:sp>
+      <p:sp>
+        <p:nvSpPr>
+          <p:cNvPr id="4" name="TextBox 3"/>
+          <p:cNvSpPr txBox="1"/>
+          <p:nvPr/>
+        </p:nvSpPr>
+        <p:spPr>
+          <a:xfrm>
+            <a:off x="6172200" y="1219200"/>
+            <a:ext cx="2667000" cy="4247317"/>
+          </a:xfrm>
+          <a:prstGeom prst="rect">
+            <a:avLst/>
+          </a:prstGeom>
+          <a:noFill/>
+        </p:spPr>
+        <p:txBody>
+          <a:bodyPr wrap="square" rtlCol="0">
+            <a:spAutoFit/>
+          </a:bodyPr>
+          <a:lstStyle/>
+          <a:p>
+            <a:r>
+              <a:rPr lang="en-US" dirty="0"/>
               <a:t>Paid for license, from:</a:t>
             </a:r>
           </a:p>
           <a:p>
             <a:r>
-              <a:rPr lang="en-US" smtClean="0">
+              <a:rPr lang="en-US">
                 <a:hlinkClick r:id="rId2"/>
               </a:rPr>
               <a:t>https://www.istockphoto.com/vector/eye-gm1153181078-313105864</a:t>
             </a:r>
             <a:r>
-              <a:rPr lang="en-US" smtClean="0"/>
+              <a:rPr lang="en-US"/>
               <a:t> </a:t>
             </a:r>
           </a:p>
           <a:p>
-            <a:endParaRPr lang="en-US" dirty="0" smtClean="0"/>
-          </a:p>
-          <a:p>
-            <a:endParaRPr lang="en-US" dirty="0" smtClean="0"/>
-          </a:p>
-          <a:p>
-            <a:r>
-              <a:rPr lang="en-US" dirty="0" smtClean="0">
+            <a:endParaRPr lang="en-US" dirty="0"/>
+          </a:p>
+          <a:p>
+            <a:endParaRPr lang="en-US" dirty="0"/>
+          </a:p>
+          <a:p>
+            <a:r>
+              <a:rPr lang="en-US" dirty="0">
                 <a:hlinkClick r:id="rId3"/>
               </a:rPr>
               <a:t>https://media.istockphoto.com/illustrations/eye-illustration-id1153181078?k=6&amp;m=1153181078&amp;s=612x612&amp;w=0&amp;h=N2-EjNP_URGSRPm9L1yedvGNms0PYfQsqjcHDi391uQ=</a:t>
@@ -4472,10 +4956,9 @@
           <a:lstStyle/>
           <a:p>
             <a:r>
-              <a:rPr lang="en-US" dirty="0" smtClean="0"/>
+              <a:rPr lang="en-US" dirty="0"/>
               <a:t>https://www.istockphoto.com/illustrations/human-eye-side-view</a:t>
             </a:r>
-            <a:endParaRPr lang="en-US" dirty="0"/>
           </a:p>
         </p:txBody>
       </p:sp>
@@ -4501,27 +4984,27 @@
           <a:lstStyle/>
           <a:p>
             <a:r>
-              <a:rPr lang="en-US" dirty="0" smtClean="0"/>
+              <a:rPr lang="en-US" dirty="0"/>
               <a:t>Paid for regular license.</a:t>
             </a:r>
-            <a:endParaRPr lang="en-US" smtClean="0"/>
-          </a:p>
-          <a:p>
-            <a:endParaRPr lang="en-US" smtClean="0">
+            <a:endParaRPr lang="en-US"/>
+          </a:p>
+          <a:p>
+            <a:endParaRPr lang="en-US">
               <a:hlinkClick r:id="rId4"/>
             </a:endParaRPr>
           </a:p>
           <a:p>
             <a:r>
-              <a:rPr lang="en-US" dirty="0" smtClean="0">
+              <a:rPr lang="en-US" dirty="0">
                 <a:hlinkClick r:id="rId4"/>
               </a:rPr>
               <a:t>https://www.gograph.com/clipart/responsive-design-for-web-computer-gg63318880.html</a:t>
             </a:r>
-            <a:endParaRPr lang="en-US" dirty="0" smtClean="0"/>
-          </a:p>
-          <a:p>
-            <a:endParaRPr lang="en-US" dirty="0" smtClean="0"/>
+            <a:endParaRPr lang="en-US" dirty="0"/>
+          </a:p>
+          <a:p>
+            <a:endParaRPr lang="en-US" dirty="0"/>
           </a:p>
         </p:txBody>
       </p:sp>
@@ -4547,10 +5030,9 @@
           <a:lstStyle/>
           <a:p>
             <a:r>
-              <a:rPr lang="en-US" dirty="0" smtClean="0"/>
+              <a:rPr lang="en-US" dirty="0"/>
               <a:t>Free clipart</a:t>
             </a:r>
-            <a:endParaRPr lang="en-US" dirty="0"/>
           </a:p>
         </p:txBody>
       </p:sp>
